--- a/0329/0329.pptx
+++ b/0329/0329.pptx
@@ -5,7 +5,7 @@
     <p:sldMasterId id="2147483648" r:id="rId1"/>
   </p:sldMasterIdLst>
   <p:notesMasterIdLst>
-    <p:notesMasterId r:id="rId14"/>
+    <p:notesMasterId r:id="rId27"/>
   </p:notesMasterIdLst>
   <p:sldIdLst>
     <p:sldId id="257" r:id="rId2"/>
@@ -16,10 +16,23 @@
     <p:sldId id="261" r:id="rId7"/>
     <p:sldId id="262" r:id="rId8"/>
     <p:sldId id="263" r:id="rId9"/>
-    <p:sldId id="264" r:id="rId10"/>
-    <p:sldId id="265" r:id="rId11"/>
-    <p:sldId id="266" r:id="rId12"/>
-    <p:sldId id="267" r:id="rId13"/>
+    <p:sldId id="275" r:id="rId10"/>
+    <p:sldId id="276" r:id="rId11"/>
+    <p:sldId id="277" r:id="rId12"/>
+    <p:sldId id="264" r:id="rId13"/>
+    <p:sldId id="265" r:id="rId14"/>
+    <p:sldId id="268" r:id="rId15"/>
+    <p:sldId id="266" r:id="rId16"/>
+    <p:sldId id="267" r:id="rId17"/>
+    <p:sldId id="269" r:id="rId18"/>
+    <p:sldId id="270" r:id="rId19"/>
+    <p:sldId id="271" r:id="rId20"/>
+    <p:sldId id="278" r:id="rId21"/>
+    <p:sldId id="272" r:id="rId22"/>
+    <p:sldId id="273" r:id="rId23"/>
+    <p:sldId id="274" r:id="rId24"/>
+    <p:sldId id="279" r:id="rId25"/>
+    <p:sldId id="280" r:id="rId26"/>
   </p:sldIdLst>
   <p:sldSz cx="9144000" cy="6858000" type="screen4x3"/>
   <p:notesSz cx="6858000" cy="9144000"/>
@@ -555,6 +568,846 @@
 </p:notes>
 </file>
 
+<file path=ppt/notesSlides/notesSlide10.xml><?xml version="1.0" encoding="utf-8"?>
+<p:notes xmlns:a="http://schemas.openxmlformats.org/drawingml/2006/main" xmlns:r="http://schemas.openxmlformats.org/officeDocument/2006/relationships" xmlns:p="http://schemas.openxmlformats.org/presentationml/2006/main">
+  <p:cSld>
+    <p:spTree>
+      <p:nvGrpSpPr>
+        <p:cNvPr id="1" name=""/>
+        <p:cNvGrpSpPr/>
+        <p:nvPr/>
+      </p:nvGrpSpPr>
+      <p:grpSpPr>
+        <a:xfrm>
+          <a:off x="0" y="0"/>
+          <a:ext cx="0" cy="0"/>
+          <a:chOff x="0" y="0"/>
+          <a:chExt cx="0" cy="0"/>
+        </a:xfrm>
+      </p:grpSpPr>
+      <p:sp>
+        <p:nvSpPr>
+          <p:cNvPr id="2" name="投影片圖像版面配置區 1"/>
+          <p:cNvSpPr>
+            <a:spLocks noGrp="1" noRot="1" noChangeAspect="1"/>
+          </p:cNvSpPr>
+          <p:nvPr>
+            <p:ph type="sldImg"/>
+          </p:nvPr>
+        </p:nvSpPr>
+        <p:spPr/>
+      </p:sp>
+      <p:sp>
+        <p:nvSpPr>
+          <p:cNvPr id="3" name="備忘稿版面配置區 2"/>
+          <p:cNvSpPr>
+            <a:spLocks noGrp="1"/>
+          </p:cNvSpPr>
+          <p:nvPr>
+            <p:ph type="body" idx="1"/>
+          </p:nvPr>
+        </p:nvSpPr>
+        <p:spPr/>
+        <p:txBody>
+          <a:bodyPr/>
+          <a:lstStyle/>
+          <a:p>
+            <a:endParaRPr lang="zh-TW" altLang="en-US" dirty="0"/>
+          </a:p>
+        </p:txBody>
+      </p:sp>
+      <p:sp>
+        <p:nvSpPr>
+          <p:cNvPr id="4" name="投影片編號版面配置區 3"/>
+          <p:cNvSpPr>
+            <a:spLocks noGrp="1"/>
+          </p:cNvSpPr>
+          <p:nvPr>
+            <p:ph type="sldNum" sz="quarter" idx="10"/>
+          </p:nvPr>
+        </p:nvSpPr>
+        <p:spPr/>
+        <p:txBody>
+          <a:bodyPr/>
+          <a:lstStyle/>
+          <a:p>
+            <a:fld id="{9A9576B9-0911-4B04-BC7B-67EB26EB4DF6}" type="slidenum">
+              <a:rPr lang="zh-TW" altLang="en-US" smtClean="0"/>
+              <a:t>14</a:t>
+            </a:fld>
+            <a:endParaRPr lang="zh-TW" altLang="en-US"/>
+          </a:p>
+        </p:txBody>
+      </p:sp>
+    </p:spTree>
+    <p:extLst>
+      <p:ext uri="{BB962C8B-B14F-4D97-AF65-F5344CB8AC3E}">
+        <p14:creationId xmlns:p14="http://schemas.microsoft.com/office/powerpoint/2010/main" val="3590136896"/>
+      </p:ext>
+    </p:extLst>
+  </p:cSld>
+  <p:clrMapOvr>
+    <a:masterClrMapping/>
+  </p:clrMapOvr>
+</p:notes>
+</file>
+
+<file path=ppt/notesSlides/notesSlide11.xml><?xml version="1.0" encoding="utf-8"?>
+<p:notes xmlns:a="http://schemas.openxmlformats.org/drawingml/2006/main" xmlns:r="http://schemas.openxmlformats.org/officeDocument/2006/relationships" xmlns:p="http://schemas.openxmlformats.org/presentationml/2006/main">
+  <p:cSld>
+    <p:spTree>
+      <p:nvGrpSpPr>
+        <p:cNvPr id="1" name=""/>
+        <p:cNvGrpSpPr/>
+        <p:nvPr/>
+      </p:nvGrpSpPr>
+      <p:grpSpPr>
+        <a:xfrm>
+          <a:off x="0" y="0"/>
+          <a:ext cx="0" cy="0"/>
+          <a:chOff x="0" y="0"/>
+          <a:chExt cx="0" cy="0"/>
+        </a:xfrm>
+      </p:grpSpPr>
+      <p:sp>
+        <p:nvSpPr>
+          <p:cNvPr id="2" name="投影片圖像版面配置區 1"/>
+          <p:cNvSpPr>
+            <a:spLocks noGrp="1" noRot="1" noChangeAspect="1"/>
+          </p:cNvSpPr>
+          <p:nvPr>
+            <p:ph type="sldImg"/>
+          </p:nvPr>
+        </p:nvSpPr>
+        <p:spPr/>
+      </p:sp>
+      <p:sp>
+        <p:nvSpPr>
+          <p:cNvPr id="3" name="備忘稿版面配置區 2"/>
+          <p:cNvSpPr>
+            <a:spLocks noGrp="1"/>
+          </p:cNvSpPr>
+          <p:nvPr>
+            <p:ph type="body" idx="1"/>
+          </p:nvPr>
+        </p:nvSpPr>
+        <p:spPr/>
+        <p:txBody>
+          <a:bodyPr/>
+          <a:lstStyle/>
+          <a:p>
+            <a:endParaRPr lang="zh-TW" altLang="en-US" dirty="0"/>
+          </a:p>
+        </p:txBody>
+      </p:sp>
+      <p:sp>
+        <p:nvSpPr>
+          <p:cNvPr id="4" name="投影片編號版面配置區 3"/>
+          <p:cNvSpPr>
+            <a:spLocks noGrp="1"/>
+          </p:cNvSpPr>
+          <p:nvPr>
+            <p:ph type="sldNum" sz="quarter" idx="10"/>
+          </p:nvPr>
+        </p:nvSpPr>
+        <p:spPr/>
+        <p:txBody>
+          <a:bodyPr/>
+          <a:lstStyle/>
+          <a:p>
+            <a:fld id="{9A9576B9-0911-4B04-BC7B-67EB26EB4DF6}" type="slidenum">
+              <a:rPr lang="zh-TW" altLang="en-US" smtClean="0"/>
+              <a:t>15</a:t>
+            </a:fld>
+            <a:endParaRPr lang="zh-TW" altLang="en-US"/>
+          </a:p>
+        </p:txBody>
+      </p:sp>
+    </p:spTree>
+    <p:extLst>
+      <p:ext uri="{BB962C8B-B14F-4D97-AF65-F5344CB8AC3E}">
+        <p14:creationId xmlns:p14="http://schemas.microsoft.com/office/powerpoint/2010/main" val="3590136896"/>
+      </p:ext>
+    </p:extLst>
+  </p:cSld>
+  <p:clrMapOvr>
+    <a:masterClrMapping/>
+  </p:clrMapOvr>
+</p:notes>
+</file>
+
+<file path=ppt/notesSlides/notesSlide12.xml><?xml version="1.0" encoding="utf-8"?>
+<p:notes xmlns:a="http://schemas.openxmlformats.org/drawingml/2006/main" xmlns:r="http://schemas.openxmlformats.org/officeDocument/2006/relationships" xmlns:p="http://schemas.openxmlformats.org/presentationml/2006/main">
+  <p:cSld>
+    <p:spTree>
+      <p:nvGrpSpPr>
+        <p:cNvPr id="1" name=""/>
+        <p:cNvGrpSpPr/>
+        <p:nvPr/>
+      </p:nvGrpSpPr>
+      <p:grpSpPr>
+        <a:xfrm>
+          <a:off x="0" y="0"/>
+          <a:ext cx="0" cy="0"/>
+          <a:chOff x="0" y="0"/>
+          <a:chExt cx="0" cy="0"/>
+        </a:xfrm>
+      </p:grpSpPr>
+      <p:sp>
+        <p:nvSpPr>
+          <p:cNvPr id="2" name="投影片圖像版面配置區 1"/>
+          <p:cNvSpPr>
+            <a:spLocks noGrp="1" noRot="1" noChangeAspect="1"/>
+          </p:cNvSpPr>
+          <p:nvPr>
+            <p:ph type="sldImg"/>
+          </p:nvPr>
+        </p:nvSpPr>
+        <p:spPr/>
+      </p:sp>
+      <p:sp>
+        <p:nvSpPr>
+          <p:cNvPr id="3" name="備忘稿版面配置區 2"/>
+          <p:cNvSpPr>
+            <a:spLocks noGrp="1"/>
+          </p:cNvSpPr>
+          <p:nvPr>
+            <p:ph type="body" idx="1"/>
+          </p:nvPr>
+        </p:nvSpPr>
+        <p:spPr/>
+        <p:txBody>
+          <a:bodyPr/>
+          <a:lstStyle/>
+          <a:p>
+            <a:endParaRPr lang="zh-TW" altLang="en-US" dirty="0"/>
+          </a:p>
+        </p:txBody>
+      </p:sp>
+      <p:sp>
+        <p:nvSpPr>
+          <p:cNvPr id="4" name="投影片編號版面配置區 3"/>
+          <p:cNvSpPr>
+            <a:spLocks noGrp="1"/>
+          </p:cNvSpPr>
+          <p:nvPr>
+            <p:ph type="sldNum" sz="quarter" idx="10"/>
+          </p:nvPr>
+        </p:nvSpPr>
+        <p:spPr/>
+        <p:txBody>
+          <a:bodyPr/>
+          <a:lstStyle/>
+          <a:p>
+            <a:fld id="{9A9576B9-0911-4B04-BC7B-67EB26EB4DF6}" type="slidenum">
+              <a:rPr lang="zh-TW" altLang="en-US" smtClean="0"/>
+              <a:t>16</a:t>
+            </a:fld>
+            <a:endParaRPr lang="zh-TW" altLang="en-US"/>
+          </a:p>
+        </p:txBody>
+      </p:sp>
+    </p:spTree>
+    <p:extLst>
+      <p:ext uri="{BB962C8B-B14F-4D97-AF65-F5344CB8AC3E}">
+        <p14:creationId xmlns:p14="http://schemas.microsoft.com/office/powerpoint/2010/main" val="3590136896"/>
+      </p:ext>
+    </p:extLst>
+  </p:cSld>
+  <p:clrMapOvr>
+    <a:masterClrMapping/>
+  </p:clrMapOvr>
+</p:notes>
+</file>
+
+<file path=ppt/notesSlides/notesSlide13.xml><?xml version="1.0" encoding="utf-8"?>
+<p:notes xmlns:a="http://schemas.openxmlformats.org/drawingml/2006/main" xmlns:r="http://schemas.openxmlformats.org/officeDocument/2006/relationships" xmlns:p="http://schemas.openxmlformats.org/presentationml/2006/main">
+  <p:cSld>
+    <p:spTree>
+      <p:nvGrpSpPr>
+        <p:cNvPr id="1" name=""/>
+        <p:cNvGrpSpPr/>
+        <p:nvPr/>
+      </p:nvGrpSpPr>
+      <p:grpSpPr>
+        <a:xfrm>
+          <a:off x="0" y="0"/>
+          <a:ext cx="0" cy="0"/>
+          <a:chOff x="0" y="0"/>
+          <a:chExt cx="0" cy="0"/>
+        </a:xfrm>
+      </p:grpSpPr>
+      <p:sp>
+        <p:nvSpPr>
+          <p:cNvPr id="2" name="投影片圖像版面配置區 1"/>
+          <p:cNvSpPr>
+            <a:spLocks noGrp="1" noRot="1" noChangeAspect="1"/>
+          </p:cNvSpPr>
+          <p:nvPr>
+            <p:ph type="sldImg"/>
+          </p:nvPr>
+        </p:nvSpPr>
+        <p:spPr/>
+      </p:sp>
+      <p:sp>
+        <p:nvSpPr>
+          <p:cNvPr id="3" name="備忘稿版面配置區 2"/>
+          <p:cNvSpPr>
+            <a:spLocks noGrp="1"/>
+          </p:cNvSpPr>
+          <p:nvPr>
+            <p:ph type="body" idx="1"/>
+          </p:nvPr>
+        </p:nvSpPr>
+        <p:spPr/>
+        <p:txBody>
+          <a:bodyPr/>
+          <a:lstStyle/>
+          <a:p>
+            <a:endParaRPr lang="zh-TW" altLang="en-US" dirty="0"/>
+          </a:p>
+        </p:txBody>
+      </p:sp>
+      <p:sp>
+        <p:nvSpPr>
+          <p:cNvPr id="4" name="投影片編號版面配置區 3"/>
+          <p:cNvSpPr>
+            <a:spLocks noGrp="1"/>
+          </p:cNvSpPr>
+          <p:nvPr>
+            <p:ph type="sldNum" sz="quarter" idx="10"/>
+          </p:nvPr>
+        </p:nvSpPr>
+        <p:spPr/>
+        <p:txBody>
+          <a:bodyPr/>
+          <a:lstStyle/>
+          <a:p>
+            <a:fld id="{9A9576B9-0911-4B04-BC7B-67EB26EB4DF6}" type="slidenum">
+              <a:rPr lang="zh-TW" altLang="en-US" smtClean="0"/>
+              <a:t>17</a:t>
+            </a:fld>
+            <a:endParaRPr lang="zh-TW" altLang="en-US"/>
+          </a:p>
+        </p:txBody>
+      </p:sp>
+    </p:spTree>
+    <p:extLst>
+      <p:ext uri="{BB962C8B-B14F-4D97-AF65-F5344CB8AC3E}">
+        <p14:creationId xmlns:p14="http://schemas.microsoft.com/office/powerpoint/2010/main" val="3590136896"/>
+      </p:ext>
+    </p:extLst>
+  </p:cSld>
+  <p:clrMapOvr>
+    <a:masterClrMapping/>
+  </p:clrMapOvr>
+</p:notes>
+</file>
+
+<file path=ppt/notesSlides/notesSlide14.xml><?xml version="1.0" encoding="utf-8"?>
+<p:notes xmlns:a="http://schemas.openxmlformats.org/drawingml/2006/main" xmlns:r="http://schemas.openxmlformats.org/officeDocument/2006/relationships" xmlns:p="http://schemas.openxmlformats.org/presentationml/2006/main">
+  <p:cSld>
+    <p:spTree>
+      <p:nvGrpSpPr>
+        <p:cNvPr id="1" name=""/>
+        <p:cNvGrpSpPr/>
+        <p:nvPr/>
+      </p:nvGrpSpPr>
+      <p:grpSpPr>
+        <a:xfrm>
+          <a:off x="0" y="0"/>
+          <a:ext cx="0" cy="0"/>
+          <a:chOff x="0" y="0"/>
+          <a:chExt cx="0" cy="0"/>
+        </a:xfrm>
+      </p:grpSpPr>
+      <p:sp>
+        <p:nvSpPr>
+          <p:cNvPr id="2" name="投影片圖像版面配置區 1"/>
+          <p:cNvSpPr>
+            <a:spLocks noGrp="1" noRot="1" noChangeAspect="1"/>
+          </p:cNvSpPr>
+          <p:nvPr>
+            <p:ph type="sldImg"/>
+          </p:nvPr>
+        </p:nvSpPr>
+        <p:spPr/>
+      </p:sp>
+      <p:sp>
+        <p:nvSpPr>
+          <p:cNvPr id="3" name="備忘稿版面配置區 2"/>
+          <p:cNvSpPr>
+            <a:spLocks noGrp="1"/>
+          </p:cNvSpPr>
+          <p:nvPr>
+            <p:ph type="body" idx="1"/>
+          </p:nvPr>
+        </p:nvSpPr>
+        <p:spPr/>
+        <p:txBody>
+          <a:bodyPr/>
+          <a:lstStyle/>
+          <a:p>
+            <a:endParaRPr lang="zh-TW" altLang="en-US" dirty="0"/>
+          </a:p>
+        </p:txBody>
+      </p:sp>
+      <p:sp>
+        <p:nvSpPr>
+          <p:cNvPr id="4" name="投影片編號版面配置區 3"/>
+          <p:cNvSpPr>
+            <a:spLocks noGrp="1"/>
+          </p:cNvSpPr>
+          <p:nvPr>
+            <p:ph type="sldNum" sz="quarter" idx="10"/>
+          </p:nvPr>
+        </p:nvSpPr>
+        <p:spPr/>
+        <p:txBody>
+          <a:bodyPr/>
+          <a:lstStyle/>
+          <a:p>
+            <a:fld id="{9A9576B9-0911-4B04-BC7B-67EB26EB4DF6}" type="slidenum">
+              <a:rPr lang="zh-TW" altLang="en-US" smtClean="0"/>
+              <a:t>18</a:t>
+            </a:fld>
+            <a:endParaRPr lang="zh-TW" altLang="en-US"/>
+          </a:p>
+        </p:txBody>
+      </p:sp>
+    </p:spTree>
+    <p:extLst>
+      <p:ext uri="{BB962C8B-B14F-4D97-AF65-F5344CB8AC3E}">
+        <p14:creationId xmlns:p14="http://schemas.microsoft.com/office/powerpoint/2010/main" val="3590136896"/>
+      </p:ext>
+    </p:extLst>
+  </p:cSld>
+  <p:clrMapOvr>
+    <a:masterClrMapping/>
+  </p:clrMapOvr>
+</p:notes>
+</file>
+
+<file path=ppt/notesSlides/notesSlide15.xml><?xml version="1.0" encoding="utf-8"?>
+<p:notes xmlns:a="http://schemas.openxmlformats.org/drawingml/2006/main" xmlns:r="http://schemas.openxmlformats.org/officeDocument/2006/relationships" xmlns:p="http://schemas.openxmlformats.org/presentationml/2006/main">
+  <p:cSld>
+    <p:spTree>
+      <p:nvGrpSpPr>
+        <p:cNvPr id="1" name=""/>
+        <p:cNvGrpSpPr/>
+        <p:nvPr/>
+      </p:nvGrpSpPr>
+      <p:grpSpPr>
+        <a:xfrm>
+          <a:off x="0" y="0"/>
+          <a:ext cx="0" cy="0"/>
+          <a:chOff x="0" y="0"/>
+          <a:chExt cx="0" cy="0"/>
+        </a:xfrm>
+      </p:grpSpPr>
+      <p:sp>
+        <p:nvSpPr>
+          <p:cNvPr id="2" name="投影片圖像版面配置區 1"/>
+          <p:cNvSpPr>
+            <a:spLocks noGrp="1" noRot="1" noChangeAspect="1"/>
+          </p:cNvSpPr>
+          <p:nvPr>
+            <p:ph type="sldImg"/>
+          </p:nvPr>
+        </p:nvSpPr>
+        <p:spPr/>
+      </p:sp>
+      <p:sp>
+        <p:nvSpPr>
+          <p:cNvPr id="3" name="備忘稿版面配置區 2"/>
+          <p:cNvSpPr>
+            <a:spLocks noGrp="1"/>
+          </p:cNvSpPr>
+          <p:nvPr>
+            <p:ph type="body" idx="1"/>
+          </p:nvPr>
+        </p:nvSpPr>
+        <p:spPr/>
+        <p:txBody>
+          <a:bodyPr/>
+          <a:lstStyle/>
+          <a:p>
+            <a:endParaRPr lang="zh-TW" altLang="en-US" dirty="0"/>
+          </a:p>
+        </p:txBody>
+      </p:sp>
+      <p:sp>
+        <p:nvSpPr>
+          <p:cNvPr id="4" name="投影片編號版面配置區 3"/>
+          <p:cNvSpPr>
+            <a:spLocks noGrp="1"/>
+          </p:cNvSpPr>
+          <p:nvPr>
+            <p:ph type="sldNum" sz="quarter" idx="10"/>
+          </p:nvPr>
+        </p:nvSpPr>
+        <p:spPr/>
+        <p:txBody>
+          <a:bodyPr/>
+          <a:lstStyle/>
+          <a:p>
+            <a:fld id="{9A9576B9-0911-4B04-BC7B-67EB26EB4DF6}" type="slidenum">
+              <a:rPr lang="zh-TW" altLang="en-US" smtClean="0"/>
+              <a:t>19</a:t>
+            </a:fld>
+            <a:endParaRPr lang="zh-TW" altLang="en-US"/>
+          </a:p>
+        </p:txBody>
+      </p:sp>
+    </p:spTree>
+    <p:extLst>
+      <p:ext uri="{BB962C8B-B14F-4D97-AF65-F5344CB8AC3E}">
+        <p14:creationId xmlns:p14="http://schemas.microsoft.com/office/powerpoint/2010/main" val="3590136896"/>
+      </p:ext>
+    </p:extLst>
+  </p:cSld>
+  <p:clrMapOvr>
+    <a:masterClrMapping/>
+  </p:clrMapOvr>
+</p:notes>
+</file>
+
+<file path=ppt/notesSlides/notesSlide16.xml><?xml version="1.0" encoding="utf-8"?>
+<p:notes xmlns:a="http://schemas.openxmlformats.org/drawingml/2006/main" xmlns:r="http://schemas.openxmlformats.org/officeDocument/2006/relationships" xmlns:p="http://schemas.openxmlformats.org/presentationml/2006/main">
+  <p:cSld>
+    <p:spTree>
+      <p:nvGrpSpPr>
+        <p:cNvPr id="1" name=""/>
+        <p:cNvGrpSpPr/>
+        <p:nvPr/>
+      </p:nvGrpSpPr>
+      <p:grpSpPr>
+        <a:xfrm>
+          <a:off x="0" y="0"/>
+          <a:ext cx="0" cy="0"/>
+          <a:chOff x="0" y="0"/>
+          <a:chExt cx="0" cy="0"/>
+        </a:xfrm>
+      </p:grpSpPr>
+      <p:sp>
+        <p:nvSpPr>
+          <p:cNvPr id="2" name="投影片圖像版面配置區 1"/>
+          <p:cNvSpPr>
+            <a:spLocks noGrp="1" noRot="1" noChangeAspect="1"/>
+          </p:cNvSpPr>
+          <p:nvPr>
+            <p:ph type="sldImg"/>
+          </p:nvPr>
+        </p:nvSpPr>
+        <p:spPr/>
+      </p:sp>
+      <p:sp>
+        <p:nvSpPr>
+          <p:cNvPr id="3" name="備忘稿版面配置區 2"/>
+          <p:cNvSpPr>
+            <a:spLocks noGrp="1"/>
+          </p:cNvSpPr>
+          <p:nvPr>
+            <p:ph type="body" idx="1"/>
+          </p:nvPr>
+        </p:nvSpPr>
+        <p:spPr/>
+        <p:txBody>
+          <a:bodyPr/>
+          <a:lstStyle/>
+          <a:p>
+            <a:endParaRPr lang="zh-TW" altLang="en-US" dirty="0"/>
+          </a:p>
+        </p:txBody>
+      </p:sp>
+      <p:sp>
+        <p:nvSpPr>
+          <p:cNvPr id="4" name="投影片編號版面配置區 3"/>
+          <p:cNvSpPr>
+            <a:spLocks noGrp="1"/>
+          </p:cNvSpPr>
+          <p:nvPr>
+            <p:ph type="sldNum" sz="quarter" idx="10"/>
+          </p:nvPr>
+        </p:nvSpPr>
+        <p:spPr/>
+        <p:txBody>
+          <a:bodyPr/>
+          <a:lstStyle/>
+          <a:p>
+            <a:fld id="{9A9576B9-0911-4B04-BC7B-67EB26EB4DF6}" type="slidenum">
+              <a:rPr lang="zh-TW" altLang="en-US" smtClean="0"/>
+              <a:t>20</a:t>
+            </a:fld>
+            <a:endParaRPr lang="zh-TW" altLang="en-US"/>
+          </a:p>
+        </p:txBody>
+      </p:sp>
+    </p:spTree>
+    <p:extLst>
+      <p:ext uri="{BB962C8B-B14F-4D97-AF65-F5344CB8AC3E}">
+        <p14:creationId xmlns:p14="http://schemas.microsoft.com/office/powerpoint/2010/main" val="3590136896"/>
+      </p:ext>
+    </p:extLst>
+  </p:cSld>
+  <p:clrMapOvr>
+    <a:masterClrMapping/>
+  </p:clrMapOvr>
+</p:notes>
+</file>
+
+<file path=ppt/notesSlides/notesSlide17.xml><?xml version="1.0" encoding="utf-8"?>
+<p:notes xmlns:a="http://schemas.openxmlformats.org/drawingml/2006/main" xmlns:r="http://schemas.openxmlformats.org/officeDocument/2006/relationships" xmlns:p="http://schemas.openxmlformats.org/presentationml/2006/main">
+  <p:cSld>
+    <p:spTree>
+      <p:nvGrpSpPr>
+        <p:cNvPr id="1" name=""/>
+        <p:cNvGrpSpPr/>
+        <p:nvPr/>
+      </p:nvGrpSpPr>
+      <p:grpSpPr>
+        <a:xfrm>
+          <a:off x="0" y="0"/>
+          <a:ext cx="0" cy="0"/>
+          <a:chOff x="0" y="0"/>
+          <a:chExt cx="0" cy="0"/>
+        </a:xfrm>
+      </p:grpSpPr>
+      <p:sp>
+        <p:nvSpPr>
+          <p:cNvPr id="2" name="投影片圖像版面配置區 1"/>
+          <p:cNvSpPr>
+            <a:spLocks noGrp="1" noRot="1" noChangeAspect="1"/>
+          </p:cNvSpPr>
+          <p:nvPr>
+            <p:ph type="sldImg"/>
+          </p:nvPr>
+        </p:nvSpPr>
+        <p:spPr/>
+      </p:sp>
+      <p:sp>
+        <p:nvSpPr>
+          <p:cNvPr id="3" name="備忘稿版面配置區 2"/>
+          <p:cNvSpPr>
+            <a:spLocks noGrp="1"/>
+          </p:cNvSpPr>
+          <p:nvPr>
+            <p:ph type="body" idx="1"/>
+          </p:nvPr>
+        </p:nvSpPr>
+        <p:spPr/>
+        <p:txBody>
+          <a:bodyPr/>
+          <a:lstStyle/>
+          <a:p>
+            <a:endParaRPr lang="zh-TW" altLang="en-US" dirty="0"/>
+          </a:p>
+        </p:txBody>
+      </p:sp>
+      <p:sp>
+        <p:nvSpPr>
+          <p:cNvPr id="4" name="投影片編號版面配置區 3"/>
+          <p:cNvSpPr>
+            <a:spLocks noGrp="1"/>
+          </p:cNvSpPr>
+          <p:nvPr>
+            <p:ph type="sldNum" sz="quarter" idx="10"/>
+          </p:nvPr>
+        </p:nvSpPr>
+        <p:spPr/>
+        <p:txBody>
+          <a:bodyPr/>
+          <a:lstStyle/>
+          <a:p>
+            <a:fld id="{9A9576B9-0911-4B04-BC7B-67EB26EB4DF6}" type="slidenum">
+              <a:rPr lang="zh-TW" altLang="en-US" smtClean="0"/>
+              <a:t>21</a:t>
+            </a:fld>
+            <a:endParaRPr lang="zh-TW" altLang="en-US"/>
+          </a:p>
+        </p:txBody>
+      </p:sp>
+    </p:spTree>
+    <p:extLst>
+      <p:ext uri="{BB962C8B-B14F-4D97-AF65-F5344CB8AC3E}">
+        <p14:creationId xmlns:p14="http://schemas.microsoft.com/office/powerpoint/2010/main" val="3590136896"/>
+      </p:ext>
+    </p:extLst>
+  </p:cSld>
+  <p:clrMapOvr>
+    <a:masterClrMapping/>
+  </p:clrMapOvr>
+</p:notes>
+</file>
+
+<file path=ppt/notesSlides/notesSlide18.xml><?xml version="1.0" encoding="utf-8"?>
+<p:notes xmlns:a="http://schemas.openxmlformats.org/drawingml/2006/main" xmlns:r="http://schemas.openxmlformats.org/officeDocument/2006/relationships" xmlns:p="http://schemas.openxmlformats.org/presentationml/2006/main">
+  <p:cSld>
+    <p:spTree>
+      <p:nvGrpSpPr>
+        <p:cNvPr id="1" name=""/>
+        <p:cNvGrpSpPr/>
+        <p:nvPr/>
+      </p:nvGrpSpPr>
+      <p:grpSpPr>
+        <a:xfrm>
+          <a:off x="0" y="0"/>
+          <a:ext cx="0" cy="0"/>
+          <a:chOff x="0" y="0"/>
+          <a:chExt cx="0" cy="0"/>
+        </a:xfrm>
+      </p:grpSpPr>
+      <p:sp>
+        <p:nvSpPr>
+          <p:cNvPr id="2" name="投影片圖像版面配置區 1"/>
+          <p:cNvSpPr>
+            <a:spLocks noGrp="1" noRot="1" noChangeAspect="1"/>
+          </p:cNvSpPr>
+          <p:nvPr>
+            <p:ph type="sldImg"/>
+          </p:nvPr>
+        </p:nvSpPr>
+        <p:spPr/>
+      </p:sp>
+      <p:sp>
+        <p:nvSpPr>
+          <p:cNvPr id="3" name="備忘稿版面配置區 2"/>
+          <p:cNvSpPr>
+            <a:spLocks noGrp="1"/>
+          </p:cNvSpPr>
+          <p:nvPr>
+            <p:ph type="body" idx="1"/>
+          </p:nvPr>
+        </p:nvSpPr>
+        <p:spPr/>
+        <p:txBody>
+          <a:bodyPr/>
+          <a:lstStyle/>
+          <a:p>
+            <a:endParaRPr lang="zh-TW" altLang="en-US" dirty="0"/>
+          </a:p>
+        </p:txBody>
+      </p:sp>
+      <p:sp>
+        <p:nvSpPr>
+          <p:cNvPr id="4" name="投影片編號版面配置區 3"/>
+          <p:cNvSpPr>
+            <a:spLocks noGrp="1"/>
+          </p:cNvSpPr>
+          <p:nvPr>
+            <p:ph type="sldNum" sz="quarter" idx="10"/>
+          </p:nvPr>
+        </p:nvSpPr>
+        <p:spPr/>
+        <p:txBody>
+          <a:bodyPr/>
+          <a:lstStyle/>
+          <a:p>
+            <a:fld id="{9A9576B9-0911-4B04-BC7B-67EB26EB4DF6}" type="slidenum">
+              <a:rPr lang="zh-TW" altLang="en-US" smtClean="0"/>
+              <a:t>22</a:t>
+            </a:fld>
+            <a:endParaRPr lang="zh-TW" altLang="en-US"/>
+          </a:p>
+        </p:txBody>
+      </p:sp>
+    </p:spTree>
+    <p:extLst>
+      <p:ext uri="{BB962C8B-B14F-4D97-AF65-F5344CB8AC3E}">
+        <p14:creationId xmlns:p14="http://schemas.microsoft.com/office/powerpoint/2010/main" val="3590136896"/>
+      </p:ext>
+    </p:extLst>
+  </p:cSld>
+  <p:clrMapOvr>
+    <a:masterClrMapping/>
+  </p:clrMapOvr>
+</p:notes>
+</file>
+
+<file path=ppt/notesSlides/notesSlide19.xml><?xml version="1.0" encoding="utf-8"?>
+<p:notes xmlns:a="http://schemas.openxmlformats.org/drawingml/2006/main" xmlns:r="http://schemas.openxmlformats.org/officeDocument/2006/relationships" xmlns:p="http://schemas.openxmlformats.org/presentationml/2006/main">
+  <p:cSld>
+    <p:spTree>
+      <p:nvGrpSpPr>
+        <p:cNvPr id="1" name=""/>
+        <p:cNvGrpSpPr/>
+        <p:nvPr/>
+      </p:nvGrpSpPr>
+      <p:grpSpPr>
+        <a:xfrm>
+          <a:off x="0" y="0"/>
+          <a:ext cx="0" cy="0"/>
+          <a:chOff x="0" y="0"/>
+          <a:chExt cx="0" cy="0"/>
+        </a:xfrm>
+      </p:grpSpPr>
+      <p:sp>
+        <p:nvSpPr>
+          <p:cNvPr id="2" name="投影片圖像版面配置區 1"/>
+          <p:cNvSpPr>
+            <a:spLocks noGrp="1" noRot="1" noChangeAspect="1"/>
+          </p:cNvSpPr>
+          <p:nvPr>
+            <p:ph type="sldImg"/>
+          </p:nvPr>
+        </p:nvSpPr>
+        <p:spPr/>
+      </p:sp>
+      <p:sp>
+        <p:nvSpPr>
+          <p:cNvPr id="3" name="備忘稿版面配置區 2"/>
+          <p:cNvSpPr>
+            <a:spLocks noGrp="1"/>
+          </p:cNvSpPr>
+          <p:nvPr>
+            <p:ph type="body" idx="1"/>
+          </p:nvPr>
+        </p:nvSpPr>
+        <p:spPr/>
+        <p:txBody>
+          <a:bodyPr/>
+          <a:lstStyle/>
+          <a:p>
+            <a:endParaRPr lang="zh-TW" altLang="en-US" dirty="0"/>
+          </a:p>
+        </p:txBody>
+      </p:sp>
+      <p:sp>
+        <p:nvSpPr>
+          <p:cNvPr id="4" name="投影片編號版面配置區 3"/>
+          <p:cNvSpPr>
+            <a:spLocks noGrp="1"/>
+          </p:cNvSpPr>
+          <p:nvPr>
+            <p:ph type="sldNum" sz="quarter" idx="10"/>
+          </p:nvPr>
+        </p:nvSpPr>
+        <p:spPr/>
+        <p:txBody>
+          <a:bodyPr/>
+          <a:lstStyle/>
+          <a:p>
+            <a:fld id="{9A9576B9-0911-4B04-BC7B-67EB26EB4DF6}" type="slidenum">
+              <a:rPr lang="zh-TW" altLang="en-US" smtClean="0"/>
+              <a:t>23</a:t>
+            </a:fld>
+            <a:endParaRPr lang="zh-TW" altLang="en-US"/>
+          </a:p>
+        </p:txBody>
+      </p:sp>
+    </p:spTree>
+    <p:extLst>
+      <p:ext uri="{BB962C8B-B14F-4D97-AF65-F5344CB8AC3E}">
+        <p14:creationId xmlns:p14="http://schemas.microsoft.com/office/powerpoint/2010/main" val="3590136896"/>
+      </p:ext>
+    </p:extLst>
+  </p:cSld>
+  <p:clrMapOvr>
+    <a:masterClrMapping/>
+  </p:clrMapOvr>
+</p:notes>
+</file>
+
 <file path=ppt/notesSlides/notesSlide2.xml><?xml version="1.0" encoding="utf-8"?>
 <p:notes xmlns:a="http://schemas.openxmlformats.org/drawingml/2006/main" xmlns:r="http://schemas.openxmlformats.org/officeDocument/2006/relationships" xmlns:p="http://schemas.openxmlformats.org/presentationml/2006/main">
   <p:cSld>
@@ -621,6 +1474,174 @@
             <a:fld id="{9A9576B9-0911-4B04-BC7B-67EB26EB4DF6}" type="slidenum">
               <a:rPr lang="zh-TW" altLang="en-US" smtClean="0"/>
               <a:t>6</a:t>
+            </a:fld>
+            <a:endParaRPr lang="zh-TW" altLang="en-US"/>
+          </a:p>
+        </p:txBody>
+      </p:sp>
+    </p:spTree>
+    <p:extLst>
+      <p:ext uri="{BB962C8B-B14F-4D97-AF65-F5344CB8AC3E}">
+        <p14:creationId xmlns:p14="http://schemas.microsoft.com/office/powerpoint/2010/main" val="3590136896"/>
+      </p:ext>
+    </p:extLst>
+  </p:cSld>
+  <p:clrMapOvr>
+    <a:masterClrMapping/>
+  </p:clrMapOvr>
+</p:notes>
+</file>
+
+<file path=ppt/notesSlides/notesSlide20.xml><?xml version="1.0" encoding="utf-8"?>
+<p:notes xmlns:a="http://schemas.openxmlformats.org/drawingml/2006/main" xmlns:r="http://schemas.openxmlformats.org/officeDocument/2006/relationships" xmlns:p="http://schemas.openxmlformats.org/presentationml/2006/main">
+  <p:cSld>
+    <p:spTree>
+      <p:nvGrpSpPr>
+        <p:cNvPr id="1" name=""/>
+        <p:cNvGrpSpPr/>
+        <p:nvPr/>
+      </p:nvGrpSpPr>
+      <p:grpSpPr>
+        <a:xfrm>
+          <a:off x="0" y="0"/>
+          <a:ext cx="0" cy="0"/>
+          <a:chOff x="0" y="0"/>
+          <a:chExt cx="0" cy="0"/>
+        </a:xfrm>
+      </p:grpSpPr>
+      <p:sp>
+        <p:nvSpPr>
+          <p:cNvPr id="2" name="投影片圖像版面配置區 1"/>
+          <p:cNvSpPr>
+            <a:spLocks noGrp="1" noRot="1" noChangeAspect="1"/>
+          </p:cNvSpPr>
+          <p:nvPr>
+            <p:ph type="sldImg"/>
+          </p:nvPr>
+        </p:nvSpPr>
+        <p:spPr/>
+      </p:sp>
+      <p:sp>
+        <p:nvSpPr>
+          <p:cNvPr id="3" name="備忘稿版面配置區 2"/>
+          <p:cNvSpPr>
+            <a:spLocks noGrp="1"/>
+          </p:cNvSpPr>
+          <p:nvPr>
+            <p:ph type="body" idx="1"/>
+          </p:nvPr>
+        </p:nvSpPr>
+        <p:spPr/>
+        <p:txBody>
+          <a:bodyPr/>
+          <a:lstStyle/>
+          <a:p>
+            <a:endParaRPr lang="zh-TW" altLang="en-US" dirty="0"/>
+          </a:p>
+        </p:txBody>
+      </p:sp>
+      <p:sp>
+        <p:nvSpPr>
+          <p:cNvPr id="4" name="投影片編號版面配置區 3"/>
+          <p:cNvSpPr>
+            <a:spLocks noGrp="1"/>
+          </p:cNvSpPr>
+          <p:nvPr>
+            <p:ph type="sldNum" sz="quarter" idx="10"/>
+          </p:nvPr>
+        </p:nvSpPr>
+        <p:spPr/>
+        <p:txBody>
+          <a:bodyPr/>
+          <a:lstStyle/>
+          <a:p>
+            <a:fld id="{9A9576B9-0911-4B04-BC7B-67EB26EB4DF6}" type="slidenum">
+              <a:rPr lang="zh-TW" altLang="en-US" smtClean="0"/>
+              <a:t>24</a:t>
+            </a:fld>
+            <a:endParaRPr lang="zh-TW" altLang="en-US"/>
+          </a:p>
+        </p:txBody>
+      </p:sp>
+    </p:spTree>
+    <p:extLst>
+      <p:ext uri="{BB962C8B-B14F-4D97-AF65-F5344CB8AC3E}">
+        <p14:creationId xmlns:p14="http://schemas.microsoft.com/office/powerpoint/2010/main" val="3590136896"/>
+      </p:ext>
+    </p:extLst>
+  </p:cSld>
+  <p:clrMapOvr>
+    <a:masterClrMapping/>
+  </p:clrMapOvr>
+</p:notes>
+</file>
+
+<file path=ppt/notesSlides/notesSlide21.xml><?xml version="1.0" encoding="utf-8"?>
+<p:notes xmlns:a="http://schemas.openxmlformats.org/drawingml/2006/main" xmlns:r="http://schemas.openxmlformats.org/officeDocument/2006/relationships" xmlns:p="http://schemas.openxmlformats.org/presentationml/2006/main">
+  <p:cSld>
+    <p:spTree>
+      <p:nvGrpSpPr>
+        <p:cNvPr id="1" name=""/>
+        <p:cNvGrpSpPr/>
+        <p:nvPr/>
+      </p:nvGrpSpPr>
+      <p:grpSpPr>
+        <a:xfrm>
+          <a:off x="0" y="0"/>
+          <a:ext cx="0" cy="0"/>
+          <a:chOff x="0" y="0"/>
+          <a:chExt cx="0" cy="0"/>
+        </a:xfrm>
+      </p:grpSpPr>
+      <p:sp>
+        <p:nvSpPr>
+          <p:cNvPr id="2" name="投影片圖像版面配置區 1"/>
+          <p:cNvSpPr>
+            <a:spLocks noGrp="1" noRot="1" noChangeAspect="1"/>
+          </p:cNvSpPr>
+          <p:nvPr>
+            <p:ph type="sldImg"/>
+          </p:nvPr>
+        </p:nvSpPr>
+        <p:spPr/>
+      </p:sp>
+      <p:sp>
+        <p:nvSpPr>
+          <p:cNvPr id="3" name="備忘稿版面配置區 2"/>
+          <p:cNvSpPr>
+            <a:spLocks noGrp="1"/>
+          </p:cNvSpPr>
+          <p:nvPr>
+            <p:ph type="body" idx="1"/>
+          </p:nvPr>
+        </p:nvSpPr>
+        <p:spPr/>
+        <p:txBody>
+          <a:bodyPr/>
+          <a:lstStyle/>
+          <a:p>
+            <a:endParaRPr lang="zh-TW" altLang="en-US" dirty="0"/>
+          </a:p>
+        </p:txBody>
+      </p:sp>
+      <p:sp>
+        <p:nvSpPr>
+          <p:cNvPr id="4" name="投影片編號版面配置區 3"/>
+          <p:cNvSpPr>
+            <a:spLocks noGrp="1"/>
+          </p:cNvSpPr>
+          <p:nvPr>
+            <p:ph type="sldNum" sz="quarter" idx="10"/>
+          </p:nvPr>
+        </p:nvSpPr>
+        <p:spPr/>
+        <p:txBody>
+          <a:bodyPr/>
+          <a:lstStyle/>
+          <a:p>
+            <a:fld id="{9A9576B9-0911-4B04-BC7B-67EB26EB4DF6}" type="slidenum">
+              <a:rPr lang="zh-TW" altLang="en-US" smtClean="0"/>
+              <a:t>25</a:t>
             </a:fld>
             <a:endParaRPr lang="zh-TW" altLang="en-US"/>
           </a:p>
@@ -1125,6 +2146,90 @@
             <a:fld id="{9A9576B9-0911-4B04-BC7B-67EB26EB4DF6}" type="slidenum">
               <a:rPr lang="zh-TW" altLang="en-US" smtClean="0"/>
               <a:t>12</a:t>
+            </a:fld>
+            <a:endParaRPr lang="zh-TW" altLang="en-US"/>
+          </a:p>
+        </p:txBody>
+      </p:sp>
+    </p:spTree>
+    <p:extLst>
+      <p:ext uri="{BB962C8B-B14F-4D97-AF65-F5344CB8AC3E}">
+        <p14:creationId xmlns:p14="http://schemas.microsoft.com/office/powerpoint/2010/main" val="3590136896"/>
+      </p:ext>
+    </p:extLst>
+  </p:cSld>
+  <p:clrMapOvr>
+    <a:masterClrMapping/>
+  </p:clrMapOvr>
+</p:notes>
+</file>
+
+<file path=ppt/notesSlides/notesSlide9.xml><?xml version="1.0" encoding="utf-8"?>
+<p:notes xmlns:a="http://schemas.openxmlformats.org/drawingml/2006/main" xmlns:r="http://schemas.openxmlformats.org/officeDocument/2006/relationships" xmlns:p="http://schemas.openxmlformats.org/presentationml/2006/main">
+  <p:cSld>
+    <p:spTree>
+      <p:nvGrpSpPr>
+        <p:cNvPr id="1" name=""/>
+        <p:cNvGrpSpPr/>
+        <p:nvPr/>
+      </p:nvGrpSpPr>
+      <p:grpSpPr>
+        <a:xfrm>
+          <a:off x="0" y="0"/>
+          <a:ext cx="0" cy="0"/>
+          <a:chOff x="0" y="0"/>
+          <a:chExt cx="0" cy="0"/>
+        </a:xfrm>
+      </p:grpSpPr>
+      <p:sp>
+        <p:nvSpPr>
+          <p:cNvPr id="2" name="投影片圖像版面配置區 1"/>
+          <p:cNvSpPr>
+            <a:spLocks noGrp="1" noRot="1" noChangeAspect="1"/>
+          </p:cNvSpPr>
+          <p:nvPr>
+            <p:ph type="sldImg"/>
+          </p:nvPr>
+        </p:nvSpPr>
+        <p:spPr/>
+      </p:sp>
+      <p:sp>
+        <p:nvSpPr>
+          <p:cNvPr id="3" name="備忘稿版面配置區 2"/>
+          <p:cNvSpPr>
+            <a:spLocks noGrp="1"/>
+          </p:cNvSpPr>
+          <p:nvPr>
+            <p:ph type="body" idx="1"/>
+          </p:nvPr>
+        </p:nvSpPr>
+        <p:spPr/>
+        <p:txBody>
+          <a:bodyPr/>
+          <a:lstStyle/>
+          <a:p>
+            <a:endParaRPr lang="zh-TW" altLang="en-US" dirty="0"/>
+          </a:p>
+        </p:txBody>
+      </p:sp>
+      <p:sp>
+        <p:nvSpPr>
+          <p:cNvPr id="4" name="投影片編號版面配置區 3"/>
+          <p:cNvSpPr>
+            <a:spLocks noGrp="1"/>
+          </p:cNvSpPr>
+          <p:nvPr>
+            <p:ph type="sldNum" sz="quarter" idx="10"/>
+          </p:nvPr>
+        </p:nvSpPr>
+        <p:spPr/>
+        <p:txBody>
+          <a:bodyPr/>
+          <a:lstStyle/>
+          <a:p>
+            <a:fld id="{9A9576B9-0911-4B04-BC7B-67EB26EB4DF6}" type="slidenum">
+              <a:rPr lang="zh-TW" altLang="en-US" smtClean="0"/>
+              <a:t>13</a:t>
             </a:fld>
             <a:endParaRPr lang="zh-TW" altLang="en-US"/>
           </a:p>
@@ -4204,6 +5309,405 @@
         </p:nvSpPr>
         <p:spPr>
           <a:xfrm>
+            <a:off x="621177" y="548680"/>
+            <a:ext cx="7848872" cy="584775"/>
+          </a:xfrm>
+          <a:prstGeom prst="rect">
+            <a:avLst/>
+          </a:prstGeom>
+          <a:noFill/>
+        </p:spPr>
+        <p:txBody>
+          <a:bodyPr wrap="square" rtlCol="0">
+            <a:spAutoFit/>
+          </a:bodyPr>
+          <a:lstStyle/>
+          <a:p>
+            <a:pPr algn="ctr"/>
+            <a:r>
+              <a:rPr lang="zh-TW" altLang="en-US" sz="3200" dirty="0" smtClean="0">
+                <a:latin typeface="微軟正黑體" pitchFamily="34" charset="-120"/>
+                <a:ea typeface="微軟正黑體" pitchFamily="34" charset="-120"/>
+              </a:rPr>
+              <a:t>新增防火牆輸出規則</a:t>
+            </a:r>
+            <a:endParaRPr lang="en-US" altLang="zh-TW" sz="3200" dirty="0" smtClean="0">
+              <a:latin typeface="微軟正黑體" pitchFamily="34" charset="-120"/>
+              <a:ea typeface="微軟正黑體" pitchFamily="34" charset="-120"/>
+            </a:endParaRPr>
+          </a:p>
+        </p:txBody>
+      </p:sp>
+      <p:pic>
+        <p:nvPicPr>
+          <p:cNvPr id="19458" name="Picture 2"/>
+          <p:cNvPicPr>
+            <a:picLocks noChangeAspect="1" noChangeArrowheads="1"/>
+          </p:cNvPicPr>
+          <p:nvPr/>
+        </p:nvPicPr>
+        <p:blipFill>
+          <a:blip r:embed="rId3">
+            <a:extLst>
+              <a:ext uri="{28A0092B-C50C-407E-A947-70E740481C1C}">
+                <a14:useLocalDpi xmlns:a14="http://schemas.microsoft.com/office/drawing/2010/main" val="0"/>
+              </a:ext>
+            </a:extLst>
+          </a:blip>
+          <a:srcRect/>
+          <a:stretch>
+            <a:fillRect/>
+          </a:stretch>
+        </p:blipFill>
+        <p:spPr bwMode="auto">
+          <a:xfrm>
+            <a:off x="251520" y="1844824"/>
+            <a:ext cx="8470049" cy="4186569"/>
+          </a:xfrm>
+          <a:prstGeom prst="rect">
+            <a:avLst/>
+          </a:prstGeom>
+          <a:noFill/>
+          <a:ln>
+            <a:noFill/>
+          </a:ln>
+          <a:effectLst/>
+          <a:extLst>
+            <a:ext uri="{909E8E84-426E-40DD-AFC4-6F175D3DCCD1}">
+              <a14:hiddenFill xmlns:a14="http://schemas.microsoft.com/office/drawing/2010/main">
+                <a:solidFill>
+                  <a:schemeClr val="accent1"/>
+                </a:solidFill>
+              </a14:hiddenFill>
+            </a:ext>
+            <a:ext uri="{91240B29-F687-4F45-9708-019B960494DF}">
+              <a14:hiddenLine xmlns:a14="http://schemas.microsoft.com/office/drawing/2010/main" w="9525">
+                <a:solidFill>
+                  <a:schemeClr val="tx1"/>
+                </a:solidFill>
+                <a:miter lim="800000"/>
+                <a:headEnd/>
+                <a:tailEnd/>
+              </a14:hiddenLine>
+            </a:ext>
+            <a:ext uri="{AF507438-7753-43E0-B8FC-AC1667EBCBE1}">
+              <a14:hiddenEffects xmlns:a14="http://schemas.microsoft.com/office/drawing/2010/main">
+                <a:effectLst>
+                  <a:outerShdw dist="35921" dir="2700000" algn="ctr" rotWithShape="0">
+                    <a:schemeClr val="bg2"/>
+                  </a:outerShdw>
+                </a:effectLst>
+              </a14:hiddenEffects>
+            </a:ext>
+          </a:extLst>
+        </p:spPr>
+      </p:pic>
+    </p:spTree>
+    <p:extLst>
+      <p:ext uri="{BB962C8B-B14F-4D97-AF65-F5344CB8AC3E}">
+        <p14:creationId xmlns:p14="http://schemas.microsoft.com/office/powerpoint/2010/main" val="2890311195"/>
+      </p:ext>
+    </p:extLst>
+  </p:cSld>
+  <p:clrMapOvr>
+    <a:masterClrMapping/>
+  </p:clrMapOvr>
+</p:sld>
+</file>
+
+<file path=ppt/slides/slide11.xml><?xml version="1.0" encoding="utf-8"?>
+<p:sld xmlns:a="http://schemas.openxmlformats.org/drawingml/2006/main" xmlns:r="http://schemas.openxmlformats.org/officeDocument/2006/relationships" xmlns:p="http://schemas.openxmlformats.org/presentationml/2006/main">
+  <p:cSld>
+    <p:spTree>
+      <p:nvGrpSpPr>
+        <p:cNvPr id="1" name=""/>
+        <p:cNvGrpSpPr/>
+        <p:nvPr/>
+      </p:nvGrpSpPr>
+      <p:grpSpPr>
+        <a:xfrm>
+          <a:off x="0" y="0"/>
+          <a:ext cx="0" cy="0"/>
+          <a:chOff x="0" y="0"/>
+          <a:chExt cx="0" cy="0"/>
+        </a:xfrm>
+      </p:grpSpPr>
+      <p:sp>
+        <p:nvSpPr>
+          <p:cNvPr id="4" name="文字方塊 3"/>
+          <p:cNvSpPr txBox="1"/>
+          <p:nvPr/>
+        </p:nvSpPr>
+        <p:spPr>
+          <a:xfrm>
+            <a:off x="621177" y="548680"/>
+            <a:ext cx="7848872" cy="584775"/>
+          </a:xfrm>
+          <a:prstGeom prst="rect">
+            <a:avLst/>
+          </a:prstGeom>
+          <a:noFill/>
+        </p:spPr>
+        <p:txBody>
+          <a:bodyPr wrap="square" rtlCol="0">
+            <a:spAutoFit/>
+          </a:bodyPr>
+          <a:lstStyle/>
+          <a:p>
+            <a:pPr algn="ctr"/>
+            <a:r>
+              <a:rPr lang="zh-TW" altLang="en-US" sz="3200" dirty="0" smtClean="0">
+                <a:latin typeface="微軟正黑體" pitchFamily="34" charset="-120"/>
+                <a:ea typeface="微軟正黑體" pitchFamily="34" charset="-120"/>
+              </a:rPr>
+              <a:t>新增連線至安全性規則</a:t>
+            </a:r>
+            <a:endParaRPr lang="en-US" altLang="zh-TW" sz="3200" dirty="0" smtClean="0">
+              <a:latin typeface="微軟正黑體" pitchFamily="34" charset="-120"/>
+              <a:ea typeface="微軟正黑體" pitchFamily="34" charset="-120"/>
+            </a:endParaRPr>
+          </a:p>
+        </p:txBody>
+      </p:sp>
+      <p:pic>
+        <p:nvPicPr>
+          <p:cNvPr id="20482" name="Picture 2"/>
+          <p:cNvPicPr>
+            <a:picLocks noChangeAspect="1" noChangeArrowheads="1"/>
+          </p:cNvPicPr>
+          <p:nvPr/>
+        </p:nvPicPr>
+        <p:blipFill>
+          <a:blip r:embed="rId3">
+            <a:extLst>
+              <a:ext uri="{28A0092B-C50C-407E-A947-70E740481C1C}">
+                <a14:useLocalDpi xmlns:a14="http://schemas.microsoft.com/office/drawing/2010/main" val="0"/>
+              </a:ext>
+            </a:extLst>
+          </a:blip>
+          <a:srcRect/>
+          <a:stretch>
+            <a:fillRect/>
+          </a:stretch>
+        </p:blipFill>
+        <p:spPr bwMode="auto">
+          <a:xfrm>
+            <a:off x="750192" y="1628800"/>
+            <a:ext cx="7590842" cy="4853161"/>
+          </a:xfrm>
+          <a:prstGeom prst="rect">
+            <a:avLst/>
+          </a:prstGeom>
+          <a:noFill/>
+          <a:ln>
+            <a:noFill/>
+          </a:ln>
+          <a:effectLst/>
+          <a:extLst>
+            <a:ext uri="{909E8E84-426E-40DD-AFC4-6F175D3DCCD1}">
+              <a14:hiddenFill xmlns:a14="http://schemas.microsoft.com/office/drawing/2010/main">
+                <a:solidFill>
+                  <a:schemeClr val="accent1"/>
+                </a:solidFill>
+              </a14:hiddenFill>
+            </a:ext>
+            <a:ext uri="{91240B29-F687-4F45-9708-019B960494DF}">
+              <a14:hiddenLine xmlns:a14="http://schemas.microsoft.com/office/drawing/2010/main" w="9525">
+                <a:solidFill>
+                  <a:schemeClr val="tx1"/>
+                </a:solidFill>
+                <a:miter lim="800000"/>
+                <a:headEnd/>
+                <a:tailEnd/>
+              </a14:hiddenLine>
+            </a:ext>
+            <a:ext uri="{AF507438-7753-43E0-B8FC-AC1667EBCBE1}">
+              <a14:hiddenEffects xmlns:a14="http://schemas.microsoft.com/office/drawing/2010/main">
+                <a:effectLst>
+                  <a:outerShdw dist="35921" dir="2700000" algn="ctr" rotWithShape="0">
+                    <a:schemeClr val="bg2"/>
+                  </a:outerShdw>
+                </a:effectLst>
+              </a14:hiddenEffects>
+            </a:ext>
+          </a:extLst>
+        </p:spPr>
+      </p:pic>
+    </p:spTree>
+    <p:extLst>
+      <p:ext uri="{BB962C8B-B14F-4D97-AF65-F5344CB8AC3E}">
+        <p14:creationId xmlns:p14="http://schemas.microsoft.com/office/powerpoint/2010/main" val="2954762183"/>
+      </p:ext>
+    </p:extLst>
+  </p:cSld>
+  <p:clrMapOvr>
+    <a:masterClrMapping/>
+  </p:clrMapOvr>
+</p:sld>
+</file>
+
+<file path=ppt/slides/slide12.xml><?xml version="1.0" encoding="utf-8"?>
+<p:sld xmlns:a="http://schemas.openxmlformats.org/drawingml/2006/main" xmlns:r="http://schemas.openxmlformats.org/officeDocument/2006/relationships" xmlns:p="http://schemas.openxmlformats.org/presentationml/2006/main">
+  <p:cSld>
+    <p:spTree>
+      <p:nvGrpSpPr>
+        <p:cNvPr id="1" name=""/>
+        <p:cNvGrpSpPr/>
+        <p:nvPr/>
+      </p:nvGrpSpPr>
+      <p:grpSpPr>
+        <a:xfrm>
+          <a:off x="0" y="0"/>
+          <a:ext cx="0" cy="0"/>
+          <a:chOff x="0" y="0"/>
+          <a:chExt cx="0" cy="0"/>
+        </a:xfrm>
+      </p:grpSpPr>
+      <p:sp>
+        <p:nvSpPr>
+          <p:cNvPr id="4" name="文字方塊 3"/>
+          <p:cNvSpPr txBox="1"/>
+          <p:nvPr/>
+        </p:nvSpPr>
+        <p:spPr>
+          <a:xfrm>
+            <a:off x="621177" y="592535"/>
+            <a:ext cx="7848872" cy="584775"/>
+          </a:xfrm>
+          <a:prstGeom prst="rect">
+            <a:avLst/>
+          </a:prstGeom>
+          <a:noFill/>
+        </p:spPr>
+        <p:txBody>
+          <a:bodyPr wrap="square" rtlCol="0">
+            <a:spAutoFit/>
+          </a:bodyPr>
+          <a:lstStyle/>
+          <a:p>
+            <a:pPr algn="ctr"/>
+            <a:r>
+              <a:rPr lang="en-US" altLang="zh-TW" sz="3200" dirty="0" smtClean="0"/>
+              <a:t>System Audit Policies </a:t>
+            </a:r>
+            <a:r>
+              <a:rPr lang="zh-TW" altLang="en-US" sz="3200" dirty="0" smtClean="0"/>
+              <a:t>系統</a:t>
+            </a:r>
+            <a:r>
+              <a:rPr lang="zh-TW" altLang="en-US" sz="3200" dirty="0"/>
+              <a:t>審核</a:t>
+            </a:r>
+            <a:r>
+              <a:rPr lang="zh-TW" altLang="en-US" sz="3200" dirty="0" smtClean="0"/>
+              <a:t>政策</a:t>
+            </a:r>
+            <a:endParaRPr lang="zh-TW" altLang="en-US" sz="3200" dirty="0"/>
+          </a:p>
+        </p:txBody>
+      </p:sp>
+      <p:pic>
+        <p:nvPicPr>
+          <p:cNvPr id="8194" name="Picture 2"/>
+          <p:cNvPicPr>
+            <a:picLocks noChangeAspect="1" noChangeArrowheads="1"/>
+          </p:cNvPicPr>
+          <p:nvPr/>
+        </p:nvPicPr>
+        <p:blipFill>
+          <a:blip r:embed="rId3">
+            <a:extLst>
+              <a:ext uri="{28A0092B-C50C-407E-A947-70E740481C1C}">
+                <a14:useLocalDpi xmlns:a14="http://schemas.microsoft.com/office/drawing/2010/main" val="0"/>
+              </a:ext>
+            </a:extLst>
+          </a:blip>
+          <a:srcRect/>
+          <a:stretch>
+            <a:fillRect/>
+          </a:stretch>
+        </p:blipFill>
+        <p:spPr bwMode="auto">
+          <a:xfrm>
+            <a:off x="12487" y="1484784"/>
+            <a:ext cx="9135730" cy="4541830"/>
+          </a:xfrm>
+          <a:prstGeom prst="rect">
+            <a:avLst/>
+          </a:prstGeom>
+          <a:noFill/>
+          <a:ln>
+            <a:noFill/>
+          </a:ln>
+          <a:effectLst/>
+          <a:extLst>
+            <a:ext uri="{909E8E84-426E-40DD-AFC4-6F175D3DCCD1}">
+              <a14:hiddenFill xmlns:a14="http://schemas.microsoft.com/office/drawing/2010/main">
+                <a:solidFill>
+                  <a:schemeClr val="accent1"/>
+                </a:solidFill>
+              </a14:hiddenFill>
+            </a:ext>
+            <a:ext uri="{91240B29-F687-4F45-9708-019B960494DF}">
+              <a14:hiddenLine xmlns:a14="http://schemas.microsoft.com/office/drawing/2010/main" w="9525">
+                <a:solidFill>
+                  <a:schemeClr val="tx1"/>
+                </a:solidFill>
+                <a:miter lim="800000"/>
+                <a:headEnd/>
+                <a:tailEnd/>
+              </a14:hiddenLine>
+            </a:ext>
+            <a:ext uri="{AF507438-7753-43E0-B8FC-AC1667EBCBE1}">
+              <a14:hiddenEffects xmlns:a14="http://schemas.microsoft.com/office/drawing/2010/main">
+                <a:effectLst>
+                  <a:outerShdw dist="35921" dir="2700000" algn="ctr" rotWithShape="0">
+                    <a:schemeClr val="bg2"/>
+                  </a:outerShdw>
+                </a:effectLst>
+              </a14:hiddenEffects>
+            </a:ext>
+          </a:extLst>
+        </p:spPr>
+      </p:pic>
+    </p:spTree>
+    <p:extLst>
+      <p:ext uri="{BB962C8B-B14F-4D97-AF65-F5344CB8AC3E}">
+        <p14:creationId xmlns:p14="http://schemas.microsoft.com/office/powerpoint/2010/main" val="40064536"/>
+      </p:ext>
+    </p:extLst>
+  </p:cSld>
+  <p:clrMapOvr>
+    <a:masterClrMapping/>
+  </p:clrMapOvr>
+</p:sld>
+</file>
+
+<file path=ppt/slides/slide13.xml><?xml version="1.0" encoding="utf-8"?>
+<p:sld xmlns:a="http://schemas.openxmlformats.org/drawingml/2006/main" xmlns:r="http://schemas.openxmlformats.org/officeDocument/2006/relationships" xmlns:p="http://schemas.openxmlformats.org/presentationml/2006/main">
+  <p:cSld>
+    <p:spTree>
+      <p:nvGrpSpPr>
+        <p:cNvPr id="1" name=""/>
+        <p:cNvGrpSpPr/>
+        <p:nvPr/>
+      </p:nvGrpSpPr>
+      <p:grpSpPr>
+        <a:xfrm>
+          <a:off x="0" y="0"/>
+          <a:ext cx="0" cy="0"/>
+          <a:chOff x="0" y="0"/>
+          <a:chExt cx="0" cy="0"/>
+        </a:xfrm>
+      </p:grpSpPr>
+      <p:sp>
+        <p:nvSpPr>
+          <p:cNvPr id="4" name="文字方塊 3"/>
+          <p:cNvSpPr txBox="1"/>
+          <p:nvPr/>
+        </p:nvSpPr>
+        <p:spPr>
+          <a:xfrm>
             <a:off x="621177" y="592535"/>
             <a:ext cx="7848872" cy="584775"/>
           </a:xfrm>
@@ -4308,7 +5812,136 @@
 </p:sld>
 </file>
 
-<file path=ppt/slides/slide11.xml><?xml version="1.0" encoding="utf-8"?>
+<file path=ppt/slides/slide14.xml><?xml version="1.0" encoding="utf-8"?>
+<p:sld xmlns:a="http://schemas.openxmlformats.org/drawingml/2006/main" xmlns:r="http://schemas.openxmlformats.org/officeDocument/2006/relationships" xmlns:p="http://schemas.openxmlformats.org/presentationml/2006/main">
+  <p:cSld>
+    <p:spTree>
+      <p:nvGrpSpPr>
+        <p:cNvPr id="1" name=""/>
+        <p:cNvGrpSpPr/>
+        <p:nvPr/>
+      </p:nvGrpSpPr>
+      <p:grpSpPr>
+        <a:xfrm>
+          <a:off x="0" y="0"/>
+          <a:ext cx="0" cy="0"/>
+          <a:chOff x="0" y="0"/>
+          <a:chExt cx="0" cy="0"/>
+        </a:xfrm>
+      </p:grpSpPr>
+      <p:sp>
+        <p:nvSpPr>
+          <p:cNvPr id="4" name="文字方塊 3"/>
+          <p:cNvSpPr txBox="1"/>
+          <p:nvPr/>
+        </p:nvSpPr>
+        <p:spPr>
+          <a:xfrm>
+            <a:off x="621177" y="592535"/>
+            <a:ext cx="7848872" cy="584775"/>
+          </a:xfrm>
+          <a:prstGeom prst="rect">
+            <a:avLst/>
+          </a:prstGeom>
+          <a:noFill/>
+        </p:spPr>
+        <p:txBody>
+          <a:bodyPr wrap="square" rtlCol="0">
+            <a:spAutoFit/>
+          </a:bodyPr>
+          <a:lstStyle/>
+          <a:p>
+            <a:pPr algn="ctr"/>
+            <a:r>
+              <a:rPr lang="en-US" altLang="zh-TW" sz="3200" dirty="0" smtClean="0"/>
+              <a:t>APP Locker </a:t>
+            </a:r>
+            <a:r>
+              <a:rPr lang="zh-TW" altLang="en-US" sz="3200" dirty="0" smtClean="0"/>
+              <a:t>可執行檔權限設定</a:t>
+            </a:r>
+            <a:endParaRPr lang="zh-TW" altLang="en-US" sz="3200" dirty="0"/>
+          </a:p>
+        </p:txBody>
+      </p:sp>
+      <p:pic>
+        <p:nvPicPr>
+          <p:cNvPr id="12290" name="Picture 2"/>
+          <p:cNvPicPr>
+            <a:picLocks noChangeAspect="1" noChangeArrowheads="1"/>
+          </p:cNvPicPr>
+          <p:nvPr/>
+        </p:nvPicPr>
+        <p:blipFill>
+          <a:blip r:embed="rId3">
+            <a:extLst>
+              <a:ext uri="{28A0092B-C50C-407E-A947-70E740481C1C}">
+                <a14:useLocalDpi xmlns:a14="http://schemas.microsoft.com/office/drawing/2010/main" val="0"/>
+              </a:ext>
+            </a:extLst>
+          </a:blip>
+          <a:srcRect/>
+          <a:stretch>
+            <a:fillRect/>
+          </a:stretch>
+        </p:blipFill>
+        <p:spPr bwMode="auto">
+          <a:xfrm>
+            <a:off x="3974" y="1772816"/>
+            <a:ext cx="9140026" cy="3967336"/>
+          </a:xfrm>
+          <a:prstGeom prst="rect">
+            <a:avLst/>
+          </a:prstGeom>
+          <a:noFill/>
+          <a:ln>
+            <a:noFill/>
+          </a:ln>
+          <a:effectLst/>
+          <a:extLst>
+            <a:ext uri="{909E8E84-426E-40DD-AFC4-6F175D3DCCD1}">
+              <a14:hiddenFill xmlns:a14="http://schemas.microsoft.com/office/drawing/2010/main">
+                <a:solidFill>
+                  <a:schemeClr val="accent1"/>
+                </a:solidFill>
+              </a14:hiddenFill>
+            </a:ext>
+            <a:ext uri="{91240B29-F687-4F45-9708-019B960494DF}">
+              <a14:hiddenLine xmlns:a14="http://schemas.microsoft.com/office/drawing/2010/main" w="9525">
+                <a:solidFill>
+                  <a:schemeClr val="tx1"/>
+                </a:solidFill>
+                <a:miter lim="800000"/>
+                <a:headEnd/>
+                <a:tailEnd/>
+              </a14:hiddenLine>
+            </a:ext>
+            <a:ext uri="{AF507438-7753-43E0-B8FC-AC1667EBCBE1}">
+              <a14:hiddenEffects xmlns:a14="http://schemas.microsoft.com/office/drawing/2010/main">
+                <a:effectLst>
+                  <a:outerShdw dist="35921" dir="2700000" algn="ctr" rotWithShape="0">
+                    <a:schemeClr val="bg2"/>
+                  </a:outerShdw>
+                </a:effectLst>
+              </a14:hiddenEffects>
+            </a:ext>
+          </a:extLst>
+        </p:spPr>
+      </p:pic>
+    </p:spTree>
+    <p:extLst>
+      <p:ext uri="{BB962C8B-B14F-4D97-AF65-F5344CB8AC3E}">
+        <p14:creationId xmlns:p14="http://schemas.microsoft.com/office/powerpoint/2010/main" val="1197001879"/>
+      </p:ext>
+    </p:extLst>
+  </p:cSld>
+  <p:clrMapOvr>
+    <a:masterClrMapping/>
+  </p:clrMapOvr>
+</p:sld>
+</file>
+
+<file path=ppt/slides/slide15.xml><?xml version="1.0" encoding="utf-8"?>
 <p:sld xmlns:a="http://schemas.openxmlformats.org/drawingml/2006/main" xmlns:r="http://schemas.openxmlformats.org/officeDocument/2006/relationships" xmlns:p="http://schemas.openxmlformats.org/presentationml/2006/main">
   <p:cSld>
     <p:spTree>
@@ -4437,7 +6070,7 @@
 </p:sld>
 </file>
 
-<file path=ppt/slides/slide12.xml><?xml version="1.0" encoding="utf-8"?>
+<file path=ppt/slides/slide16.xml><?xml version="1.0" encoding="utf-8"?>
 <p:sld xmlns:a="http://schemas.openxmlformats.org/drawingml/2006/main" xmlns:r="http://schemas.openxmlformats.org/officeDocument/2006/relationships" xmlns:p="http://schemas.openxmlformats.org/presentationml/2006/main">
   <p:cSld>
     <p:spTree>
@@ -4478,12 +6111,8 @@
           <a:p>
             <a:pPr algn="ctr"/>
             <a:r>
-              <a:rPr lang="en-US" altLang="zh-TW" sz="3200" dirty="0" smtClean="0"/>
-              <a:t>Network Policies </a:t>
-            </a:r>
-            <a:r>
               <a:rPr lang="zh-TW" altLang="en-US" sz="3200" dirty="0" smtClean="0"/>
-              <a:t>網路政策</a:t>
+              <a:t>控制台</a:t>
             </a:r>
             <a:endParaRPr lang="zh-TW" altLang="en-US" sz="3200" dirty="0"/>
           </a:p>
@@ -4491,7 +6120,7 @@
       </p:sp>
       <p:pic>
         <p:nvPicPr>
-          <p:cNvPr id="10242" name="Picture 2"/>
+          <p:cNvPr id="11266" name="Picture 2"/>
           <p:cNvPicPr>
             <a:picLocks noChangeAspect="1" noChangeArrowheads="1"/>
           </p:cNvPicPr>
@@ -4512,8 +6141,8 @@
         </p:blipFill>
         <p:spPr bwMode="auto">
           <a:xfrm>
-            <a:off x="185104" y="2060848"/>
-            <a:ext cx="8967974" cy="3311252"/>
+            <a:off x="6102" y="1747639"/>
+            <a:ext cx="9251454" cy="4680520"/>
           </a:xfrm>
           <a:prstGeom prst="rect">
             <a:avLst/>
@@ -4566,6 +6195,385 @@
 </p:sld>
 </file>
 
+<file path=ppt/slides/slide17.xml><?xml version="1.0" encoding="utf-8"?>
+<p:sld xmlns:a="http://schemas.openxmlformats.org/drawingml/2006/main" xmlns:r="http://schemas.openxmlformats.org/officeDocument/2006/relationships" xmlns:p="http://schemas.openxmlformats.org/presentationml/2006/main">
+  <p:cSld>
+    <p:spTree>
+      <p:nvGrpSpPr>
+        <p:cNvPr id="1" name=""/>
+        <p:cNvGrpSpPr/>
+        <p:nvPr/>
+      </p:nvGrpSpPr>
+      <p:grpSpPr>
+        <a:xfrm>
+          <a:off x="0" y="0"/>
+          <a:ext cx="0" cy="0"/>
+          <a:chOff x="0" y="0"/>
+          <a:chExt cx="0" cy="0"/>
+        </a:xfrm>
+      </p:grpSpPr>
+      <p:sp>
+        <p:nvSpPr>
+          <p:cNvPr id="4" name="文字方塊 3"/>
+          <p:cNvSpPr txBox="1"/>
+          <p:nvPr/>
+        </p:nvSpPr>
+        <p:spPr>
+          <a:xfrm>
+            <a:off x="621177" y="592535"/>
+            <a:ext cx="7848872" cy="584775"/>
+          </a:xfrm>
+          <a:prstGeom prst="rect">
+            <a:avLst/>
+          </a:prstGeom>
+          <a:noFill/>
+        </p:spPr>
+        <p:txBody>
+          <a:bodyPr wrap="square" rtlCol="0">
+            <a:spAutoFit/>
+          </a:bodyPr>
+          <a:lstStyle/>
+          <a:p>
+            <a:pPr algn="ctr"/>
+            <a:r>
+              <a:rPr lang="zh-TW" altLang="en-US" sz="3200" dirty="0" smtClean="0"/>
+              <a:t>使用者派遣原則</a:t>
+            </a:r>
+            <a:endParaRPr lang="zh-TW" altLang="en-US" sz="3200" dirty="0"/>
+          </a:p>
+        </p:txBody>
+      </p:sp>
+      <p:pic>
+        <p:nvPicPr>
+          <p:cNvPr id="13314" name="Picture 2"/>
+          <p:cNvPicPr>
+            <a:picLocks noChangeAspect="1" noChangeArrowheads="1"/>
+          </p:cNvPicPr>
+          <p:nvPr/>
+        </p:nvPicPr>
+        <p:blipFill>
+          <a:blip r:embed="rId3">
+            <a:extLst>
+              <a:ext uri="{28A0092B-C50C-407E-A947-70E740481C1C}">
+                <a14:useLocalDpi xmlns:a14="http://schemas.microsoft.com/office/drawing/2010/main" val="0"/>
+              </a:ext>
+            </a:extLst>
+          </a:blip>
+          <a:srcRect/>
+          <a:stretch>
+            <a:fillRect/>
+          </a:stretch>
+        </p:blipFill>
+        <p:spPr bwMode="auto">
+          <a:xfrm>
+            <a:off x="-4614" y="1772816"/>
+            <a:ext cx="9071761" cy="4549502"/>
+          </a:xfrm>
+          <a:prstGeom prst="rect">
+            <a:avLst/>
+          </a:prstGeom>
+          <a:noFill/>
+          <a:ln>
+            <a:noFill/>
+          </a:ln>
+          <a:effectLst/>
+          <a:extLst>
+            <a:ext uri="{909E8E84-426E-40DD-AFC4-6F175D3DCCD1}">
+              <a14:hiddenFill xmlns:a14="http://schemas.microsoft.com/office/drawing/2010/main">
+                <a:solidFill>
+                  <a:schemeClr val="accent1"/>
+                </a:solidFill>
+              </a14:hiddenFill>
+            </a:ext>
+            <a:ext uri="{91240B29-F687-4F45-9708-019B960494DF}">
+              <a14:hiddenLine xmlns:a14="http://schemas.microsoft.com/office/drawing/2010/main" w="9525">
+                <a:solidFill>
+                  <a:schemeClr val="tx1"/>
+                </a:solidFill>
+                <a:miter lim="800000"/>
+                <a:headEnd/>
+                <a:tailEnd/>
+              </a14:hiddenLine>
+            </a:ext>
+            <a:ext uri="{AF507438-7753-43E0-B8FC-AC1667EBCBE1}">
+              <a14:hiddenEffects xmlns:a14="http://schemas.microsoft.com/office/drawing/2010/main">
+                <a:effectLst>
+                  <a:outerShdw dist="35921" dir="2700000" algn="ctr" rotWithShape="0">
+                    <a:schemeClr val="bg2"/>
+                  </a:outerShdw>
+                </a:effectLst>
+              </a14:hiddenEffects>
+            </a:ext>
+          </a:extLst>
+        </p:spPr>
+      </p:pic>
+    </p:spTree>
+    <p:extLst>
+      <p:ext uri="{BB962C8B-B14F-4D97-AF65-F5344CB8AC3E}">
+        <p14:creationId xmlns:p14="http://schemas.microsoft.com/office/powerpoint/2010/main" val="3493785696"/>
+      </p:ext>
+    </p:extLst>
+  </p:cSld>
+  <p:clrMapOvr>
+    <a:masterClrMapping/>
+  </p:clrMapOvr>
+</p:sld>
+</file>
+
+<file path=ppt/slides/slide18.xml><?xml version="1.0" encoding="utf-8"?>
+<p:sld xmlns:a="http://schemas.openxmlformats.org/drawingml/2006/main" xmlns:r="http://schemas.openxmlformats.org/officeDocument/2006/relationships" xmlns:p="http://schemas.openxmlformats.org/presentationml/2006/main">
+  <p:cSld>
+    <p:spTree>
+      <p:nvGrpSpPr>
+        <p:cNvPr id="1" name=""/>
+        <p:cNvGrpSpPr/>
+        <p:nvPr/>
+      </p:nvGrpSpPr>
+      <p:grpSpPr>
+        <a:xfrm>
+          <a:off x="0" y="0"/>
+          <a:ext cx="0" cy="0"/>
+          <a:chOff x="0" y="0"/>
+          <a:chExt cx="0" cy="0"/>
+        </a:xfrm>
+      </p:grpSpPr>
+      <p:sp>
+        <p:nvSpPr>
+          <p:cNvPr id="4" name="文字方塊 3"/>
+          <p:cNvSpPr txBox="1"/>
+          <p:nvPr/>
+        </p:nvSpPr>
+        <p:spPr>
+          <a:xfrm>
+            <a:off x="621177" y="592535"/>
+            <a:ext cx="7848872" cy="1077218"/>
+          </a:xfrm>
+          <a:prstGeom prst="rect">
+            <a:avLst/>
+          </a:prstGeom>
+          <a:noFill/>
+        </p:spPr>
+        <p:txBody>
+          <a:bodyPr wrap="square" rtlCol="0">
+            <a:spAutoFit/>
+          </a:bodyPr>
+          <a:lstStyle/>
+          <a:p>
+            <a:pPr algn="ctr"/>
+            <a:r>
+              <a:rPr lang="zh-TW" altLang="en-US" sz="3200" dirty="0" smtClean="0"/>
+              <a:t>拒絕本機登入</a:t>
+            </a:r>
+            <a:endParaRPr lang="en-US" altLang="zh-TW" sz="3200" dirty="0" smtClean="0"/>
+          </a:p>
+          <a:p>
+            <a:pPr algn="ctr"/>
+            <a:endParaRPr lang="zh-TW" altLang="en-US" sz="3200" dirty="0"/>
+          </a:p>
+        </p:txBody>
+      </p:sp>
+      <p:pic>
+        <p:nvPicPr>
+          <p:cNvPr id="14338" name="Picture 2"/>
+          <p:cNvPicPr>
+            <a:picLocks noChangeAspect="1" noChangeArrowheads="1"/>
+          </p:cNvPicPr>
+          <p:nvPr/>
+        </p:nvPicPr>
+        <p:blipFill>
+          <a:blip r:embed="rId3">
+            <a:extLst>
+              <a:ext uri="{28A0092B-C50C-407E-A947-70E740481C1C}">
+                <a14:useLocalDpi xmlns:a14="http://schemas.microsoft.com/office/drawing/2010/main" val="0"/>
+              </a:ext>
+            </a:extLst>
+          </a:blip>
+          <a:srcRect/>
+          <a:stretch>
+            <a:fillRect/>
+          </a:stretch>
+        </p:blipFill>
+        <p:spPr bwMode="auto">
+          <a:xfrm>
+            <a:off x="-13370" y="1628800"/>
+            <a:ext cx="9109250" cy="4896543"/>
+          </a:xfrm>
+          <a:prstGeom prst="rect">
+            <a:avLst/>
+          </a:prstGeom>
+          <a:noFill/>
+          <a:ln>
+            <a:noFill/>
+          </a:ln>
+          <a:effectLst/>
+          <a:extLst>
+            <a:ext uri="{909E8E84-426E-40DD-AFC4-6F175D3DCCD1}">
+              <a14:hiddenFill xmlns:a14="http://schemas.microsoft.com/office/drawing/2010/main">
+                <a:solidFill>
+                  <a:schemeClr val="accent1"/>
+                </a:solidFill>
+              </a14:hiddenFill>
+            </a:ext>
+            <a:ext uri="{91240B29-F687-4F45-9708-019B960494DF}">
+              <a14:hiddenLine xmlns:a14="http://schemas.microsoft.com/office/drawing/2010/main" w="9525">
+                <a:solidFill>
+                  <a:schemeClr val="tx1"/>
+                </a:solidFill>
+                <a:miter lim="800000"/>
+                <a:headEnd/>
+                <a:tailEnd/>
+              </a14:hiddenLine>
+            </a:ext>
+            <a:ext uri="{AF507438-7753-43E0-B8FC-AC1667EBCBE1}">
+              <a14:hiddenEffects xmlns:a14="http://schemas.microsoft.com/office/drawing/2010/main">
+                <a:effectLst>
+                  <a:outerShdw dist="35921" dir="2700000" algn="ctr" rotWithShape="0">
+                    <a:schemeClr val="bg2"/>
+                  </a:outerShdw>
+                </a:effectLst>
+              </a14:hiddenEffects>
+            </a:ext>
+          </a:extLst>
+        </p:spPr>
+      </p:pic>
+    </p:spTree>
+    <p:extLst>
+      <p:ext uri="{BB962C8B-B14F-4D97-AF65-F5344CB8AC3E}">
+        <p14:creationId xmlns:p14="http://schemas.microsoft.com/office/powerpoint/2010/main" val="764416957"/>
+      </p:ext>
+    </p:extLst>
+  </p:cSld>
+  <p:clrMapOvr>
+    <a:masterClrMapping/>
+  </p:clrMapOvr>
+</p:sld>
+</file>
+
+<file path=ppt/slides/slide19.xml><?xml version="1.0" encoding="utf-8"?>
+<p:sld xmlns:a="http://schemas.openxmlformats.org/drawingml/2006/main" xmlns:r="http://schemas.openxmlformats.org/officeDocument/2006/relationships" xmlns:p="http://schemas.openxmlformats.org/presentationml/2006/main">
+  <p:cSld>
+    <p:spTree>
+      <p:nvGrpSpPr>
+        <p:cNvPr id="1" name=""/>
+        <p:cNvGrpSpPr/>
+        <p:nvPr/>
+      </p:nvGrpSpPr>
+      <p:grpSpPr>
+        <a:xfrm>
+          <a:off x="0" y="0"/>
+          <a:ext cx="0" cy="0"/>
+          <a:chOff x="0" y="0"/>
+          <a:chExt cx="0" cy="0"/>
+        </a:xfrm>
+      </p:grpSpPr>
+      <p:sp>
+        <p:nvSpPr>
+          <p:cNvPr id="4" name="文字方塊 3"/>
+          <p:cNvSpPr txBox="1"/>
+          <p:nvPr/>
+        </p:nvSpPr>
+        <p:spPr>
+          <a:xfrm>
+            <a:off x="621177" y="592535"/>
+            <a:ext cx="7848872" cy="584775"/>
+          </a:xfrm>
+          <a:prstGeom prst="rect">
+            <a:avLst/>
+          </a:prstGeom>
+          <a:noFill/>
+        </p:spPr>
+        <p:txBody>
+          <a:bodyPr wrap="square" rtlCol="0">
+            <a:spAutoFit/>
+          </a:bodyPr>
+          <a:lstStyle/>
+          <a:p>
+            <a:pPr algn="ctr"/>
+            <a:r>
+              <a:rPr lang="zh-TW" altLang="en-US" sz="3200" dirty="0" smtClean="0"/>
+              <a:t>安全性原則</a:t>
+            </a:r>
+            <a:endParaRPr lang="zh-TW" altLang="en-US" sz="3200" dirty="0"/>
+          </a:p>
+        </p:txBody>
+      </p:sp>
+      <p:pic>
+        <p:nvPicPr>
+          <p:cNvPr id="15362" name="Picture 2"/>
+          <p:cNvPicPr>
+            <a:picLocks noChangeAspect="1" noChangeArrowheads="1"/>
+          </p:cNvPicPr>
+          <p:nvPr/>
+        </p:nvPicPr>
+        <p:blipFill>
+          <a:blip r:embed="rId3">
+            <a:extLst>
+              <a:ext uri="{28A0092B-C50C-407E-A947-70E740481C1C}">
+                <a14:useLocalDpi xmlns:a14="http://schemas.microsoft.com/office/drawing/2010/main" val="0"/>
+              </a:ext>
+            </a:extLst>
+          </a:blip>
+          <a:srcRect/>
+          <a:stretch>
+            <a:fillRect/>
+          </a:stretch>
+        </p:blipFill>
+        <p:spPr bwMode="auto">
+          <a:xfrm>
+            <a:off x="395536" y="1700808"/>
+            <a:ext cx="8456421" cy="4218608"/>
+          </a:xfrm>
+          <a:prstGeom prst="rect">
+            <a:avLst/>
+          </a:prstGeom>
+          <a:noFill/>
+          <a:ln>
+            <a:noFill/>
+          </a:ln>
+          <a:effectLst/>
+          <a:extLst>
+            <a:ext uri="{909E8E84-426E-40DD-AFC4-6F175D3DCCD1}">
+              <a14:hiddenFill xmlns:a14="http://schemas.microsoft.com/office/drawing/2010/main">
+                <a:solidFill>
+                  <a:schemeClr val="accent1"/>
+                </a:solidFill>
+              </a14:hiddenFill>
+            </a:ext>
+            <a:ext uri="{91240B29-F687-4F45-9708-019B960494DF}">
+              <a14:hiddenLine xmlns:a14="http://schemas.microsoft.com/office/drawing/2010/main" w="9525">
+                <a:solidFill>
+                  <a:schemeClr val="tx1"/>
+                </a:solidFill>
+                <a:miter lim="800000"/>
+                <a:headEnd/>
+                <a:tailEnd/>
+              </a14:hiddenLine>
+            </a:ext>
+            <a:ext uri="{AF507438-7753-43E0-B8FC-AC1667EBCBE1}">
+              <a14:hiddenEffects xmlns:a14="http://schemas.microsoft.com/office/drawing/2010/main">
+                <a:effectLst>
+                  <a:outerShdw dist="35921" dir="2700000" algn="ctr" rotWithShape="0">
+                    <a:schemeClr val="bg2"/>
+                  </a:outerShdw>
+                </a:effectLst>
+              </a14:hiddenEffects>
+            </a:ext>
+          </a:extLst>
+        </p:spPr>
+      </p:pic>
+    </p:spTree>
+    <p:extLst>
+      <p:ext uri="{BB962C8B-B14F-4D97-AF65-F5344CB8AC3E}">
+        <p14:creationId xmlns:p14="http://schemas.microsoft.com/office/powerpoint/2010/main" val="1216008865"/>
+      </p:ext>
+    </p:extLst>
+  </p:cSld>
+  <p:clrMapOvr>
+    <a:masterClrMapping/>
+  </p:clrMapOvr>
+</p:sld>
+</file>
+
 <file path=ppt/slides/slide2.xml><?xml version="1.0" encoding="utf-8"?>
 <p:sld xmlns:a="http://schemas.openxmlformats.org/drawingml/2006/main" xmlns:r="http://schemas.openxmlformats.org/officeDocument/2006/relationships" xmlns:p="http://schemas.openxmlformats.org/presentationml/2006/main">
   <p:cSld>
@@ -4829,6 +6837,768 @@
     <p:extLst>
       <p:ext uri="{BB962C8B-B14F-4D97-AF65-F5344CB8AC3E}">
         <p14:creationId xmlns:p14="http://schemas.microsoft.com/office/powerpoint/2010/main" val="982528992"/>
+      </p:ext>
+    </p:extLst>
+  </p:cSld>
+  <p:clrMapOvr>
+    <a:masterClrMapping/>
+  </p:clrMapOvr>
+</p:sld>
+</file>
+
+<file path=ppt/slides/slide20.xml><?xml version="1.0" encoding="utf-8"?>
+<p:sld xmlns:a="http://schemas.openxmlformats.org/drawingml/2006/main" xmlns:r="http://schemas.openxmlformats.org/officeDocument/2006/relationships" xmlns:p="http://schemas.openxmlformats.org/presentationml/2006/main">
+  <p:cSld>
+    <p:spTree>
+      <p:nvGrpSpPr>
+        <p:cNvPr id="1" name=""/>
+        <p:cNvGrpSpPr/>
+        <p:nvPr/>
+      </p:nvGrpSpPr>
+      <p:grpSpPr>
+        <a:xfrm>
+          <a:off x="0" y="0"/>
+          <a:ext cx="0" cy="0"/>
+          <a:chOff x="0" y="0"/>
+          <a:chExt cx="0" cy="0"/>
+        </a:xfrm>
+      </p:grpSpPr>
+      <p:sp>
+        <p:nvSpPr>
+          <p:cNvPr id="4" name="文字方塊 3"/>
+          <p:cNvSpPr txBox="1"/>
+          <p:nvPr/>
+        </p:nvSpPr>
+        <p:spPr>
+          <a:xfrm>
+            <a:off x="621177" y="592535"/>
+            <a:ext cx="7848872" cy="584775"/>
+          </a:xfrm>
+          <a:prstGeom prst="rect">
+            <a:avLst/>
+          </a:prstGeom>
+          <a:noFill/>
+        </p:spPr>
+        <p:txBody>
+          <a:bodyPr wrap="square" rtlCol="0">
+            <a:spAutoFit/>
+          </a:bodyPr>
+          <a:lstStyle/>
+          <a:p>
+            <a:pPr algn="ctr"/>
+            <a:r>
+              <a:rPr lang="zh-TW" altLang="en-US" sz="3200" dirty="0" smtClean="0"/>
+              <a:t>建立</a:t>
+            </a:r>
+            <a:r>
+              <a:rPr lang="en-US" altLang="zh-TW" sz="3200" dirty="0" smtClean="0"/>
+              <a:t>IP</a:t>
+            </a:r>
+            <a:r>
+              <a:rPr lang="zh-TW" altLang="en-US" sz="3200" dirty="0" smtClean="0"/>
+              <a:t>安全性原則</a:t>
+            </a:r>
+            <a:endParaRPr lang="zh-TW" altLang="en-US" sz="3200" dirty="0"/>
+          </a:p>
+        </p:txBody>
+      </p:sp>
+      <p:pic>
+        <p:nvPicPr>
+          <p:cNvPr id="21506" name="Picture 2"/>
+          <p:cNvPicPr>
+            <a:picLocks noChangeAspect="1" noChangeArrowheads="1"/>
+          </p:cNvPicPr>
+          <p:nvPr/>
+        </p:nvPicPr>
+        <p:blipFill>
+          <a:blip r:embed="rId3">
+            <a:extLst>
+              <a:ext uri="{28A0092B-C50C-407E-A947-70E740481C1C}">
+                <a14:useLocalDpi xmlns:a14="http://schemas.microsoft.com/office/drawing/2010/main" val="0"/>
+              </a:ext>
+            </a:extLst>
+          </a:blip>
+          <a:srcRect/>
+          <a:stretch>
+            <a:fillRect/>
+          </a:stretch>
+        </p:blipFill>
+        <p:spPr bwMode="auto">
+          <a:xfrm>
+            <a:off x="298765" y="1618134"/>
+            <a:ext cx="8493695" cy="4752528"/>
+          </a:xfrm>
+          <a:prstGeom prst="rect">
+            <a:avLst/>
+          </a:prstGeom>
+          <a:noFill/>
+          <a:ln>
+            <a:noFill/>
+          </a:ln>
+          <a:effectLst/>
+          <a:extLst>
+            <a:ext uri="{909E8E84-426E-40DD-AFC4-6F175D3DCCD1}">
+              <a14:hiddenFill xmlns:a14="http://schemas.microsoft.com/office/drawing/2010/main">
+                <a:solidFill>
+                  <a:schemeClr val="accent1"/>
+                </a:solidFill>
+              </a14:hiddenFill>
+            </a:ext>
+            <a:ext uri="{91240B29-F687-4F45-9708-019B960494DF}">
+              <a14:hiddenLine xmlns:a14="http://schemas.microsoft.com/office/drawing/2010/main" w="9525">
+                <a:solidFill>
+                  <a:schemeClr val="tx1"/>
+                </a:solidFill>
+                <a:miter lim="800000"/>
+                <a:headEnd/>
+                <a:tailEnd/>
+              </a14:hiddenLine>
+            </a:ext>
+            <a:ext uri="{AF507438-7753-43E0-B8FC-AC1667EBCBE1}">
+              <a14:hiddenEffects xmlns:a14="http://schemas.microsoft.com/office/drawing/2010/main">
+                <a:effectLst>
+                  <a:outerShdw dist="35921" dir="2700000" algn="ctr" rotWithShape="0">
+                    <a:schemeClr val="bg2"/>
+                  </a:outerShdw>
+                </a:effectLst>
+              </a14:hiddenEffects>
+            </a:ext>
+          </a:extLst>
+        </p:spPr>
+      </p:pic>
+    </p:spTree>
+    <p:extLst>
+      <p:ext uri="{BB962C8B-B14F-4D97-AF65-F5344CB8AC3E}">
+        <p14:creationId xmlns:p14="http://schemas.microsoft.com/office/powerpoint/2010/main" val="2857583830"/>
+      </p:ext>
+    </p:extLst>
+  </p:cSld>
+  <p:clrMapOvr>
+    <a:masterClrMapping/>
+  </p:clrMapOvr>
+</p:sld>
+</file>
+
+<file path=ppt/slides/slide21.xml><?xml version="1.0" encoding="utf-8"?>
+<p:sld xmlns:a="http://schemas.openxmlformats.org/drawingml/2006/main" xmlns:r="http://schemas.openxmlformats.org/officeDocument/2006/relationships" xmlns:p="http://schemas.openxmlformats.org/presentationml/2006/main">
+  <p:cSld>
+    <p:spTree>
+      <p:nvGrpSpPr>
+        <p:cNvPr id="1" name=""/>
+        <p:cNvGrpSpPr/>
+        <p:nvPr/>
+      </p:nvGrpSpPr>
+      <p:grpSpPr>
+        <a:xfrm>
+          <a:off x="0" y="0"/>
+          <a:ext cx="0" cy="0"/>
+          <a:chOff x="0" y="0"/>
+          <a:chExt cx="0" cy="0"/>
+        </a:xfrm>
+      </p:grpSpPr>
+      <p:sp>
+        <p:nvSpPr>
+          <p:cNvPr id="4" name="文字方塊 3"/>
+          <p:cNvSpPr txBox="1"/>
+          <p:nvPr/>
+        </p:nvSpPr>
+        <p:spPr>
+          <a:xfrm>
+            <a:off x="621177" y="592535"/>
+            <a:ext cx="7848872" cy="584775"/>
+          </a:xfrm>
+          <a:prstGeom prst="rect">
+            <a:avLst/>
+          </a:prstGeom>
+          <a:noFill/>
+        </p:spPr>
+        <p:txBody>
+          <a:bodyPr wrap="square" rtlCol="0">
+            <a:spAutoFit/>
+          </a:bodyPr>
+          <a:lstStyle/>
+          <a:p>
+            <a:pPr algn="ctr"/>
+            <a:r>
+              <a:rPr lang="zh-TW" altLang="en-US" sz="3200" dirty="0"/>
+              <a:t>指令碼編輯</a:t>
+            </a:r>
+            <a:endParaRPr lang="zh-TW" altLang="en-US" sz="3200" dirty="0"/>
+          </a:p>
+        </p:txBody>
+      </p:sp>
+      <p:pic>
+        <p:nvPicPr>
+          <p:cNvPr id="16386" name="Picture 2"/>
+          <p:cNvPicPr>
+            <a:picLocks noChangeAspect="1" noChangeArrowheads="1"/>
+          </p:cNvPicPr>
+          <p:nvPr/>
+        </p:nvPicPr>
+        <p:blipFill>
+          <a:blip r:embed="rId3">
+            <a:extLst>
+              <a:ext uri="{28A0092B-C50C-407E-A947-70E740481C1C}">
+                <a14:useLocalDpi xmlns:a14="http://schemas.microsoft.com/office/drawing/2010/main" val="0"/>
+              </a:ext>
+            </a:extLst>
+          </a:blip>
+          <a:srcRect/>
+          <a:stretch>
+            <a:fillRect/>
+          </a:stretch>
+        </p:blipFill>
+        <p:spPr bwMode="auto">
+          <a:xfrm>
+            <a:off x="497496" y="1340768"/>
+            <a:ext cx="8096234" cy="5439891"/>
+          </a:xfrm>
+          <a:prstGeom prst="rect">
+            <a:avLst/>
+          </a:prstGeom>
+          <a:noFill/>
+          <a:ln>
+            <a:noFill/>
+          </a:ln>
+          <a:effectLst/>
+          <a:extLst>
+            <a:ext uri="{909E8E84-426E-40DD-AFC4-6F175D3DCCD1}">
+              <a14:hiddenFill xmlns:a14="http://schemas.microsoft.com/office/drawing/2010/main">
+                <a:solidFill>
+                  <a:schemeClr val="accent1"/>
+                </a:solidFill>
+              </a14:hiddenFill>
+            </a:ext>
+            <a:ext uri="{91240B29-F687-4F45-9708-019B960494DF}">
+              <a14:hiddenLine xmlns:a14="http://schemas.microsoft.com/office/drawing/2010/main" w="9525">
+                <a:solidFill>
+                  <a:schemeClr val="tx1"/>
+                </a:solidFill>
+                <a:miter lim="800000"/>
+                <a:headEnd/>
+                <a:tailEnd/>
+              </a14:hiddenLine>
+            </a:ext>
+            <a:ext uri="{AF507438-7753-43E0-B8FC-AC1667EBCBE1}">
+              <a14:hiddenEffects xmlns:a14="http://schemas.microsoft.com/office/drawing/2010/main">
+                <a:effectLst>
+                  <a:outerShdw dist="35921" dir="2700000" algn="ctr" rotWithShape="0">
+                    <a:schemeClr val="bg2"/>
+                  </a:outerShdw>
+                </a:effectLst>
+              </a14:hiddenEffects>
+            </a:ext>
+          </a:extLst>
+        </p:spPr>
+      </p:pic>
+    </p:spTree>
+    <p:extLst>
+      <p:ext uri="{BB962C8B-B14F-4D97-AF65-F5344CB8AC3E}">
+        <p14:creationId xmlns:p14="http://schemas.microsoft.com/office/powerpoint/2010/main" val="3793727475"/>
+      </p:ext>
+    </p:extLst>
+  </p:cSld>
+  <p:clrMapOvr>
+    <a:masterClrMapping/>
+  </p:clrMapOvr>
+</p:sld>
+</file>
+
+<file path=ppt/slides/slide22.xml><?xml version="1.0" encoding="utf-8"?>
+<p:sld xmlns:a="http://schemas.openxmlformats.org/drawingml/2006/main" xmlns:r="http://schemas.openxmlformats.org/officeDocument/2006/relationships" xmlns:p="http://schemas.openxmlformats.org/presentationml/2006/main">
+  <p:cSld>
+    <p:spTree>
+      <p:nvGrpSpPr>
+        <p:cNvPr id="1" name=""/>
+        <p:cNvGrpSpPr/>
+        <p:nvPr/>
+      </p:nvGrpSpPr>
+      <p:grpSpPr>
+        <a:xfrm>
+          <a:off x="0" y="0"/>
+          <a:ext cx="0" cy="0"/>
+          <a:chOff x="0" y="0"/>
+          <a:chExt cx="0" cy="0"/>
+        </a:xfrm>
+      </p:grpSpPr>
+      <p:sp>
+        <p:nvSpPr>
+          <p:cNvPr id="4" name="文字方塊 3"/>
+          <p:cNvSpPr txBox="1"/>
+          <p:nvPr/>
+        </p:nvSpPr>
+        <p:spPr>
+          <a:xfrm>
+            <a:off x="621177" y="592535"/>
+            <a:ext cx="7848872" cy="584775"/>
+          </a:xfrm>
+          <a:prstGeom prst="rect">
+            <a:avLst/>
+          </a:prstGeom>
+          <a:noFill/>
+        </p:spPr>
+        <p:txBody>
+          <a:bodyPr wrap="square" rtlCol="0">
+            <a:spAutoFit/>
+          </a:bodyPr>
+          <a:lstStyle/>
+          <a:p>
+            <a:pPr algn="ctr"/>
+            <a:r>
+              <a:rPr lang="zh-TW" altLang="en-US" sz="3200" dirty="0" smtClean="0"/>
+              <a:t>公開金鑰原則</a:t>
+            </a:r>
+            <a:endParaRPr lang="zh-TW" altLang="en-US" sz="3200" dirty="0"/>
+          </a:p>
+        </p:txBody>
+      </p:sp>
+      <p:pic>
+        <p:nvPicPr>
+          <p:cNvPr id="17410" name="Picture 2"/>
+          <p:cNvPicPr>
+            <a:picLocks noChangeAspect="1" noChangeArrowheads="1"/>
+          </p:cNvPicPr>
+          <p:nvPr/>
+        </p:nvPicPr>
+        <p:blipFill>
+          <a:blip r:embed="rId3">
+            <a:extLst>
+              <a:ext uri="{28A0092B-C50C-407E-A947-70E740481C1C}">
+                <a14:useLocalDpi xmlns:a14="http://schemas.microsoft.com/office/drawing/2010/main" val="0"/>
+              </a:ext>
+            </a:extLst>
+          </a:blip>
+          <a:srcRect/>
+          <a:stretch>
+            <a:fillRect/>
+          </a:stretch>
+        </p:blipFill>
+        <p:spPr bwMode="auto">
+          <a:xfrm>
+            <a:off x="48300" y="1556792"/>
+            <a:ext cx="9010650" cy="4267200"/>
+          </a:xfrm>
+          <a:prstGeom prst="rect">
+            <a:avLst/>
+          </a:prstGeom>
+          <a:noFill/>
+          <a:ln>
+            <a:noFill/>
+          </a:ln>
+          <a:effectLst/>
+          <a:extLst>
+            <a:ext uri="{909E8E84-426E-40DD-AFC4-6F175D3DCCD1}">
+              <a14:hiddenFill xmlns:a14="http://schemas.microsoft.com/office/drawing/2010/main">
+                <a:solidFill>
+                  <a:schemeClr val="accent1"/>
+                </a:solidFill>
+              </a14:hiddenFill>
+            </a:ext>
+            <a:ext uri="{91240B29-F687-4F45-9708-019B960494DF}">
+              <a14:hiddenLine xmlns:a14="http://schemas.microsoft.com/office/drawing/2010/main" w="9525">
+                <a:solidFill>
+                  <a:schemeClr val="tx1"/>
+                </a:solidFill>
+                <a:miter lim="800000"/>
+                <a:headEnd/>
+                <a:tailEnd/>
+              </a14:hiddenLine>
+            </a:ext>
+            <a:ext uri="{AF507438-7753-43E0-B8FC-AC1667EBCBE1}">
+              <a14:hiddenEffects xmlns:a14="http://schemas.microsoft.com/office/drawing/2010/main">
+                <a:effectLst>
+                  <a:outerShdw dist="35921" dir="2700000" algn="ctr" rotWithShape="0">
+                    <a:schemeClr val="bg2"/>
+                  </a:outerShdw>
+                </a:effectLst>
+              </a14:hiddenEffects>
+            </a:ext>
+          </a:extLst>
+        </p:spPr>
+      </p:pic>
+    </p:spTree>
+    <p:extLst>
+      <p:ext uri="{BB962C8B-B14F-4D97-AF65-F5344CB8AC3E}">
+        <p14:creationId xmlns:p14="http://schemas.microsoft.com/office/powerpoint/2010/main" val="2372723072"/>
+      </p:ext>
+    </p:extLst>
+  </p:cSld>
+  <p:clrMapOvr>
+    <a:masterClrMapping/>
+  </p:clrMapOvr>
+</p:sld>
+</file>
+
+<file path=ppt/slides/slide23.xml><?xml version="1.0" encoding="utf-8"?>
+<p:sld xmlns:a="http://schemas.openxmlformats.org/drawingml/2006/main" xmlns:r="http://schemas.openxmlformats.org/officeDocument/2006/relationships" xmlns:p="http://schemas.openxmlformats.org/presentationml/2006/main">
+  <p:cSld>
+    <p:spTree>
+      <p:nvGrpSpPr>
+        <p:cNvPr id="1" name=""/>
+        <p:cNvGrpSpPr/>
+        <p:nvPr/>
+      </p:nvGrpSpPr>
+      <p:grpSpPr>
+        <a:xfrm>
+          <a:off x="0" y="0"/>
+          <a:ext cx="0" cy="0"/>
+          <a:chOff x="0" y="0"/>
+          <a:chExt cx="0" cy="0"/>
+        </a:xfrm>
+      </p:grpSpPr>
+      <p:sp>
+        <p:nvSpPr>
+          <p:cNvPr id="4" name="文字方塊 3"/>
+          <p:cNvSpPr txBox="1"/>
+          <p:nvPr/>
+        </p:nvSpPr>
+        <p:spPr>
+          <a:xfrm>
+            <a:off x="621177" y="592535"/>
+            <a:ext cx="7848872" cy="584775"/>
+          </a:xfrm>
+          <a:prstGeom prst="rect">
+            <a:avLst/>
+          </a:prstGeom>
+          <a:noFill/>
+        </p:spPr>
+        <p:txBody>
+          <a:bodyPr wrap="square" rtlCol="0">
+            <a:spAutoFit/>
+          </a:bodyPr>
+          <a:lstStyle/>
+          <a:p>
+            <a:pPr algn="ctr"/>
+            <a:r>
+              <a:rPr lang="zh-TW" altLang="en-US" sz="3200" dirty="0" smtClean="0"/>
+              <a:t>軟體安全性等級</a:t>
+            </a:r>
+            <a:endParaRPr lang="zh-TW" altLang="en-US" sz="3200" dirty="0"/>
+          </a:p>
+        </p:txBody>
+      </p:sp>
+      <p:pic>
+        <p:nvPicPr>
+          <p:cNvPr id="22530" name="Picture 2"/>
+          <p:cNvPicPr>
+            <a:picLocks noChangeAspect="1" noChangeArrowheads="1"/>
+          </p:cNvPicPr>
+          <p:nvPr/>
+        </p:nvPicPr>
+        <p:blipFill>
+          <a:blip r:embed="rId3">
+            <a:extLst>
+              <a:ext uri="{28A0092B-C50C-407E-A947-70E740481C1C}">
+                <a14:useLocalDpi xmlns:a14="http://schemas.microsoft.com/office/drawing/2010/main" val="0"/>
+              </a:ext>
+            </a:extLst>
+          </a:blip>
+          <a:srcRect/>
+          <a:stretch>
+            <a:fillRect/>
+          </a:stretch>
+        </p:blipFill>
+        <p:spPr bwMode="auto">
+          <a:xfrm>
+            <a:off x="-10319" y="1700807"/>
+            <a:ext cx="8856984" cy="3925615"/>
+          </a:xfrm>
+          <a:prstGeom prst="rect">
+            <a:avLst/>
+          </a:prstGeom>
+          <a:noFill/>
+          <a:ln>
+            <a:noFill/>
+          </a:ln>
+          <a:effectLst/>
+          <a:extLst>
+            <a:ext uri="{909E8E84-426E-40DD-AFC4-6F175D3DCCD1}">
+              <a14:hiddenFill xmlns:a14="http://schemas.microsoft.com/office/drawing/2010/main">
+                <a:solidFill>
+                  <a:schemeClr val="accent1"/>
+                </a:solidFill>
+              </a14:hiddenFill>
+            </a:ext>
+            <a:ext uri="{91240B29-F687-4F45-9708-019B960494DF}">
+              <a14:hiddenLine xmlns:a14="http://schemas.microsoft.com/office/drawing/2010/main" w="9525">
+                <a:solidFill>
+                  <a:schemeClr val="tx1"/>
+                </a:solidFill>
+                <a:miter lim="800000"/>
+                <a:headEnd/>
+                <a:tailEnd/>
+              </a14:hiddenLine>
+            </a:ext>
+            <a:ext uri="{AF507438-7753-43E0-B8FC-AC1667EBCBE1}">
+              <a14:hiddenEffects xmlns:a14="http://schemas.microsoft.com/office/drawing/2010/main">
+                <a:effectLst>
+                  <a:outerShdw dist="35921" dir="2700000" algn="ctr" rotWithShape="0">
+                    <a:schemeClr val="bg2"/>
+                  </a:outerShdw>
+                </a:effectLst>
+              </a14:hiddenEffects>
+            </a:ext>
+          </a:extLst>
+        </p:spPr>
+      </p:pic>
+    </p:spTree>
+    <p:extLst>
+      <p:ext uri="{BB962C8B-B14F-4D97-AF65-F5344CB8AC3E}">
+        <p14:creationId xmlns:p14="http://schemas.microsoft.com/office/powerpoint/2010/main" val="2712245445"/>
+      </p:ext>
+    </p:extLst>
+  </p:cSld>
+  <p:clrMapOvr>
+    <a:masterClrMapping/>
+  </p:clrMapOvr>
+</p:sld>
+</file>
+
+<file path=ppt/slides/slide24.xml><?xml version="1.0" encoding="utf-8"?>
+<p:sld xmlns:a="http://schemas.openxmlformats.org/drawingml/2006/main" xmlns:r="http://schemas.openxmlformats.org/officeDocument/2006/relationships" xmlns:p="http://schemas.openxmlformats.org/presentationml/2006/main">
+  <p:cSld>
+    <p:spTree>
+      <p:nvGrpSpPr>
+        <p:cNvPr id="1" name=""/>
+        <p:cNvGrpSpPr/>
+        <p:nvPr/>
+      </p:nvGrpSpPr>
+      <p:grpSpPr>
+        <a:xfrm>
+          <a:off x="0" y="0"/>
+          <a:ext cx="0" cy="0"/>
+          <a:chOff x="0" y="0"/>
+          <a:chExt cx="0" cy="0"/>
+        </a:xfrm>
+      </p:grpSpPr>
+      <p:sp>
+        <p:nvSpPr>
+          <p:cNvPr id="4" name="文字方塊 3"/>
+          <p:cNvSpPr txBox="1"/>
+          <p:nvPr/>
+        </p:nvSpPr>
+        <p:spPr>
+          <a:xfrm>
+            <a:off x="621177" y="592535"/>
+            <a:ext cx="7848872" cy="584775"/>
+          </a:xfrm>
+          <a:prstGeom prst="rect">
+            <a:avLst/>
+          </a:prstGeom>
+          <a:noFill/>
+        </p:spPr>
+        <p:txBody>
+          <a:bodyPr wrap="square" rtlCol="0">
+            <a:spAutoFit/>
+          </a:bodyPr>
+          <a:lstStyle/>
+          <a:p>
+            <a:pPr algn="ctr"/>
+            <a:r>
+              <a:rPr lang="zh-TW" altLang="en-US" sz="3200" dirty="0" smtClean="0"/>
+              <a:t>設定基本使用者為預設安全性等級</a:t>
+            </a:r>
+            <a:endParaRPr lang="zh-TW" altLang="en-US" sz="3200" dirty="0"/>
+          </a:p>
+        </p:txBody>
+      </p:sp>
+      <p:pic>
+        <p:nvPicPr>
+          <p:cNvPr id="23554" name="Picture 2"/>
+          <p:cNvPicPr>
+            <a:picLocks noChangeAspect="1" noChangeArrowheads="1"/>
+          </p:cNvPicPr>
+          <p:nvPr/>
+        </p:nvPicPr>
+        <p:blipFill>
+          <a:blip r:embed="rId3">
+            <a:extLst>
+              <a:ext uri="{28A0092B-C50C-407E-A947-70E740481C1C}">
+                <a14:useLocalDpi xmlns:a14="http://schemas.microsoft.com/office/drawing/2010/main" val="0"/>
+              </a:ext>
+            </a:extLst>
+          </a:blip>
+          <a:srcRect/>
+          <a:stretch>
+            <a:fillRect/>
+          </a:stretch>
+        </p:blipFill>
+        <p:spPr bwMode="auto">
+          <a:xfrm>
+            <a:off x="414316" y="1484784"/>
+            <a:ext cx="8262594" cy="5282158"/>
+          </a:xfrm>
+          <a:prstGeom prst="rect">
+            <a:avLst/>
+          </a:prstGeom>
+          <a:noFill/>
+          <a:ln>
+            <a:noFill/>
+          </a:ln>
+          <a:effectLst/>
+          <a:extLst>
+            <a:ext uri="{909E8E84-426E-40DD-AFC4-6F175D3DCCD1}">
+              <a14:hiddenFill xmlns:a14="http://schemas.microsoft.com/office/drawing/2010/main">
+                <a:solidFill>
+                  <a:schemeClr val="accent1"/>
+                </a:solidFill>
+              </a14:hiddenFill>
+            </a:ext>
+            <a:ext uri="{91240B29-F687-4F45-9708-019B960494DF}">
+              <a14:hiddenLine xmlns:a14="http://schemas.microsoft.com/office/drawing/2010/main" w="9525">
+                <a:solidFill>
+                  <a:schemeClr val="tx1"/>
+                </a:solidFill>
+                <a:miter lim="800000"/>
+                <a:headEnd/>
+                <a:tailEnd/>
+              </a14:hiddenLine>
+            </a:ext>
+            <a:ext uri="{AF507438-7753-43E0-B8FC-AC1667EBCBE1}">
+              <a14:hiddenEffects xmlns:a14="http://schemas.microsoft.com/office/drawing/2010/main">
+                <a:effectLst>
+                  <a:outerShdw dist="35921" dir="2700000" algn="ctr" rotWithShape="0">
+                    <a:schemeClr val="bg2"/>
+                  </a:outerShdw>
+                </a:effectLst>
+              </a14:hiddenEffects>
+            </a:ext>
+          </a:extLst>
+        </p:spPr>
+      </p:pic>
+    </p:spTree>
+    <p:extLst>
+      <p:ext uri="{BB962C8B-B14F-4D97-AF65-F5344CB8AC3E}">
+        <p14:creationId xmlns:p14="http://schemas.microsoft.com/office/powerpoint/2010/main" val="2321284816"/>
+      </p:ext>
+    </p:extLst>
+  </p:cSld>
+  <p:clrMapOvr>
+    <a:masterClrMapping/>
+  </p:clrMapOvr>
+</p:sld>
+</file>
+
+<file path=ppt/slides/slide25.xml><?xml version="1.0" encoding="utf-8"?>
+<p:sld xmlns:a="http://schemas.openxmlformats.org/drawingml/2006/main" xmlns:r="http://schemas.openxmlformats.org/officeDocument/2006/relationships" xmlns:p="http://schemas.openxmlformats.org/presentationml/2006/main">
+  <p:cSld>
+    <p:spTree>
+      <p:nvGrpSpPr>
+        <p:cNvPr id="1" name=""/>
+        <p:cNvGrpSpPr/>
+        <p:nvPr/>
+      </p:nvGrpSpPr>
+      <p:grpSpPr>
+        <a:xfrm>
+          <a:off x="0" y="0"/>
+          <a:ext cx="0" cy="0"/>
+          <a:chOff x="0" y="0"/>
+          <a:chExt cx="0" cy="0"/>
+        </a:xfrm>
+      </p:grpSpPr>
+      <p:sp>
+        <p:nvSpPr>
+          <p:cNvPr id="4" name="文字方塊 3"/>
+          <p:cNvSpPr txBox="1"/>
+          <p:nvPr/>
+        </p:nvSpPr>
+        <p:spPr>
+          <a:xfrm>
+            <a:off x="621177" y="592535"/>
+            <a:ext cx="7848872" cy="584775"/>
+          </a:xfrm>
+          <a:prstGeom prst="rect">
+            <a:avLst/>
+          </a:prstGeom>
+          <a:noFill/>
+        </p:spPr>
+        <p:txBody>
+          <a:bodyPr wrap="square" rtlCol="0">
+            <a:spAutoFit/>
+          </a:bodyPr>
+          <a:lstStyle/>
+          <a:p>
+            <a:pPr algn="ctr"/>
+            <a:r>
+              <a:rPr lang="en-US" altLang="zh-TW" sz="3200" dirty="0" smtClean="0"/>
+              <a:t>Windows</a:t>
+            </a:r>
+            <a:r>
+              <a:rPr lang="zh-TW" altLang="en-US" sz="3200" dirty="0" smtClean="0"/>
+              <a:t>元件設定</a:t>
+            </a:r>
+            <a:endParaRPr lang="en-US" altLang="zh-TW" sz="3200" dirty="0" smtClean="0"/>
+          </a:p>
+        </p:txBody>
+      </p:sp>
+      <p:pic>
+        <p:nvPicPr>
+          <p:cNvPr id="24578" name="Picture 2"/>
+          <p:cNvPicPr>
+            <a:picLocks noChangeAspect="1" noChangeArrowheads="1"/>
+          </p:cNvPicPr>
+          <p:nvPr/>
+        </p:nvPicPr>
+        <p:blipFill>
+          <a:blip r:embed="rId3">
+            <a:extLst>
+              <a:ext uri="{28A0092B-C50C-407E-A947-70E740481C1C}">
+                <a14:useLocalDpi xmlns:a14="http://schemas.microsoft.com/office/drawing/2010/main" val="0"/>
+              </a:ext>
+            </a:extLst>
+          </a:blip>
+          <a:srcRect/>
+          <a:stretch>
+            <a:fillRect/>
+          </a:stretch>
+        </p:blipFill>
+        <p:spPr bwMode="auto">
+          <a:xfrm>
+            <a:off x="1" y="1844824"/>
+            <a:ext cx="9124148" cy="4459015"/>
+          </a:xfrm>
+          <a:prstGeom prst="rect">
+            <a:avLst/>
+          </a:prstGeom>
+          <a:noFill/>
+          <a:ln>
+            <a:noFill/>
+          </a:ln>
+          <a:effectLst/>
+          <a:extLst>
+            <a:ext uri="{909E8E84-426E-40DD-AFC4-6F175D3DCCD1}">
+              <a14:hiddenFill xmlns:a14="http://schemas.microsoft.com/office/drawing/2010/main">
+                <a:solidFill>
+                  <a:schemeClr val="accent1"/>
+                </a:solidFill>
+              </a14:hiddenFill>
+            </a:ext>
+            <a:ext uri="{91240B29-F687-4F45-9708-019B960494DF}">
+              <a14:hiddenLine xmlns:a14="http://schemas.microsoft.com/office/drawing/2010/main" w="9525">
+                <a:solidFill>
+                  <a:schemeClr val="tx1"/>
+                </a:solidFill>
+                <a:miter lim="800000"/>
+                <a:headEnd/>
+                <a:tailEnd/>
+              </a14:hiddenLine>
+            </a:ext>
+            <a:ext uri="{AF507438-7753-43E0-B8FC-AC1667EBCBE1}">
+              <a14:hiddenEffects xmlns:a14="http://schemas.microsoft.com/office/drawing/2010/main">
+                <a:effectLst>
+                  <a:outerShdw dist="35921" dir="2700000" algn="ctr" rotWithShape="0">
+                    <a:schemeClr val="bg2"/>
+                  </a:outerShdw>
+                </a:effectLst>
+              </a14:hiddenEffects>
+            </a:ext>
+          </a:extLst>
+        </p:spPr>
+      </p:pic>
+    </p:spTree>
+    <p:extLst>
+      <p:ext uri="{BB962C8B-B14F-4D97-AF65-F5344CB8AC3E}">
+        <p14:creationId xmlns:p14="http://schemas.microsoft.com/office/powerpoint/2010/main" val="2842826113"/>
       </p:ext>
     </p:extLst>
   </p:cSld>
@@ -5822,7 +8592,7 @@
         </p:nvSpPr>
         <p:spPr>
           <a:xfrm>
-            <a:off x="621177" y="592535"/>
+            <a:off x="621177" y="548680"/>
             <a:ext cx="7848872" cy="584775"/>
           </a:xfrm>
           <a:prstGeom prst="rect">
@@ -5838,28 +8608,22 @@
           <a:p>
             <a:pPr algn="ctr"/>
             <a:r>
-              <a:rPr lang="en-US" altLang="zh-TW" sz="3200" dirty="0" smtClean="0"/>
-              <a:t>System Audit Policies </a:t>
-            </a:r>
-            <a:r>
-              <a:rPr lang="zh-TW" altLang="en-US" sz="3200" dirty="0" smtClean="0"/>
-              <a:t>系統</a:t>
-            </a:r>
-            <a:r>
-              <a:rPr lang="zh-TW" altLang="en-US" sz="3200" dirty="0"/>
-              <a:t>審核</a:t>
-            </a:r>
-            <a:r>
-              <a:rPr lang="zh-TW" altLang="en-US" sz="3200" dirty="0" smtClean="0"/>
-              <a:t>政策</a:t>
-            </a:r>
-            <a:endParaRPr lang="zh-TW" altLang="en-US" sz="3200" dirty="0"/>
+              <a:rPr lang="zh-TW" altLang="en-US" sz="3200" dirty="0" smtClean="0">
+                <a:latin typeface="微軟正黑體" pitchFamily="34" charset="-120"/>
+                <a:ea typeface="微軟正黑體" pitchFamily="34" charset="-120"/>
+              </a:rPr>
+              <a:t>新增防火牆輸入規則</a:t>
+            </a:r>
+            <a:endParaRPr lang="en-US" altLang="zh-TW" sz="3200" dirty="0" smtClean="0">
+              <a:latin typeface="微軟正黑體" pitchFamily="34" charset="-120"/>
+              <a:ea typeface="微軟正黑體" pitchFamily="34" charset="-120"/>
+            </a:endParaRPr>
           </a:p>
         </p:txBody>
       </p:sp>
       <p:pic>
         <p:nvPicPr>
-          <p:cNvPr id="8194" name="Picture 2"/>
+          <p:cNvPr id="18434" name="Picture 2"/>
           <p:cNvPicPr>
             <a:picLocks noChangeAspect="1" noChangeArrowheads="1"/>
           </p:cNvPicPr>
@@ -5880,8 +8644,8 @@
         </p:blipFill>
         <p:spPr bwMode="auto">
           <a:xfrm>
-            <a:off x="12487" y="1484784"/>
-            <a:ext cx="9135730" cy="4541830"/>
+            <a:off x="154968" y="1591097"/>
+            <a:ext cx="8964488" cy="4693460"/>
           </a:xfrm>
           <a:prstGeom prst="rect">
             <a:avLst/>
@@ -5924,7 +8688,7 @@
     </p:spTree>
     <p:extLst>
       <p:ext uri="{BB962C8B-B14F-4D97-AF65-F5344CB8AC3E}">
-        <p14:creationId xmlns:p14="http://schemas.microsoft.com/office/powerpoint/2010/main" val="40064536"/>
+        <p14:creationId xmlns:p14="http://schemas.microsoft.com/office/powerpoint/2010/main" val="3136216586"/>
       </p:ext>
     </p:extLst>
   </p:cSld>
